--- a/it-architecture.pptx
+++ b/it-architecture.pptx
@@ -11,7 +11,7 @@
     <p:handoutMasterId r:id="rId4"/>
   </p:handoutMasterIdLst>
   <p:sldIdLst>
-    <p:sldId id="260" r:id="rId2"/>
+    <p:sldId id="259" r:id="rId2"/>
   </p:sldIdLst>
   <p:sldSz cx="30279975" cy="21386800"/>
   <p:notesSz cx="20564475" cy="28594050"/>
@@ -255,7 +255,7 @@
               <a:pPr>
                 <a:defRPr/>
               </a:pPr>
-              <a:t>25.04.2017</a:t>
+              <a:t>11.05.2017</a:t>
             </a:fld>
             <a:endParaRPr lang="de-DE"/>
           </a:p>
@@ -477,7 +477,7 @@
               <a:pPr>
                 <a:defRPr/>
               </a:pPr>
-              <a:t>25.04.2017</a:t>
+              <a:t>11.05.2017</a:t>
             </a:fld>
             <a:endParaRPr lang="de-DE"/>
           </a:p>
@@ -1375,6 +1375,180 @@
           <a:chExt cx="0" cy="0"/>
         </a:xfrm>
       </p:grpSpPr>
+      <p:cxnSp>
+        <p:nvCxnSpPr>
+          <p:cNvPr id="17" name="Gerade Verbindung 16"/>
+          <p:cNvCxnSpPr/>
+          <p:nvPr/>
+        </p:nvCxnSpPr>
+        <p:spPr>
+          <a:xfrm>
+            <a:off x="23002000" y="20329180"/>
+            <a:ext cx="749052" cy="0"/>
+          </a:xfrm>
+          <a:prstGeom prst="line">
+            <a:avLst/>
+          </a:prstGeom>
+          <a:ln w="38100">
+            <a:solidFill>
+              <a:srgbClr val="E6BA00"/>
+            </a:solidFill>
+          </a:ln>
+        </p:spPr>
+        <p:style>
+          <a:lnRef idx="1">
+            <a:schemeClr val="accent1"/>
+          </a:lnRef>
+          <a:fillRef idx="0">
+            <a:schemeClr val="accent1"/>
+          </a:fillRef>
+          <a:effectRef idx="0">
+            <a:schemeClr val="accent1"/>
+          </a:effectRef>
+          <a:fontRef idx="minor">
+            <a:schemeClr val="tx1"/>
+          </a:fontRef>
+        </p:style>
+      </p:cxnSp>
+      <p:sp>
+        <p:nvSpPr>
+          <p:cNvPr id="19" name="Textfeld 18"/>
+          <p:cNvSpPr txBox="1"/>
+          <p:nvPr/>
+        </p:nvSpPr>
+        <p:spPr>
+          <a:xfrm>
+            <a:off x="23783114" y="19874775"/>
+            <a:ext cx="1671062" cy="712699"/>
+          </a:xfrm>
+          <a:prstGeom prst="rect">
+            <a:avLst/>
+          </a:prstGeom>
+          <a:noFill/>
+        </p:spPr>
+        <p:txBody>
+          <a:bodyPr wrap="none" rtlCol="0">
+            <a:spAutoFit/>
+          </a:bodyPr>
+          <a:lstStyle/>
+          <a:p>
+            <a:r>
+              <a:rPr lang="de-DE" sz="4000" dirty="0" err="1">
+                <a:solidFill>
+                  <a:srgbClr val="032934"/>
+                </a:solidFill>
+                <a:latin typeface="+mn-lt"/>
+              </a:rPr>
+              <a:t>Layers</a:t>
+            </a:r>
+            <a:endParaRPr lang="de-DE" sz="4000" dirty="0">
+              <a:solidFill>
+                <a:srgbClr val="032934"/>
+              </a:solidFill>
+              <a:latin typeface="+mn-lt"/>
+            </a:endParaRPr>
+          </a:p>
+        </p:txBody>
+      </p:sp>
+      <p:cxnSp>
+        <p:nvCxnSpPr>
+          <p:cNvPr id="149" name="Gerade Verbindung 148"/>
+          <p:cNvCxnSpPr/>
+          <p:nvPr/>
+        </p:nvCxnSpPr>
+        <p:spPr>
+          <a:xfrm>
+            <a:off x="26251953" y="20322403"/>
+            <a:ext cx="749052" cy="0"/>
+          </a:xfrm>
+          <a:prstGeom prst="line">
+            <a:avLst/>
+          </a:prstGeom>
+          <a:ln w="38100">
+            <a:solidFill>
+              <a:srgbClr val="23A3DD"/>
+            </a:solidFill>
+          </a:ln>
+        </p:spPr>
+        <p:style>
+          <a:lnRef idx="1">
+            <a:schemeClr val="accent1"/>
+          </a:lnRef>
+          <a:fillRef idx="0">
+            <a:schemeClr val="accent1"/>
+          </a:fillRef>
+          <a:effectRef idx="0">
+            <a:schemeClr val="accent1"/>
+          </a:effectRef>
+          <a:fontRef idx="minor">
+            <a:schemeClr val="tx1"/>
+          </a:fontRef>
+        </p:style>
+      </p:cxnSp>
+      <p:sp>
+        <p:nvSpPr>
+          <p:cNvPr id="150" name="Textfeld 149"/>
+          <p:cNvSpPr txBox="1"/>
+          <p:nvPr/>
+        </p:nvSpPr>
+        <p:spPr>
+          <a:xfrm>
+            <a:off x="27027921" y="19850968"/>
+            <a:ext cx="2685383" cy="712699"/>
+          </a:xfrm>
+          <a:prstGeom prst="rect">
+            <a:avLst/>
+          </a:prstGeom>
+          <a:noFill/>
+        </p:spPr>
+        <p:txBody>
+          <a:bodyPr wrap="none" rtlCol="0">
+            <a:spAutoFit/>
+          </a:bodyPr>
+          <a:lstStyle/>
+          <a:p>
+            <a:r>
+              <a:rPr lang="de-DE" sz="4000" dirty="0">
+                <a:solidFill>
+                  <a:srgbClr val="032934"/>
+                </a:solidFill>
+                <a:latin typeface="+mn-lt"/>
+              </a:rPr>
+              <a:t>Containers</a:t>
+            </a:r>
+          </a:p>
+        </p:txBody>
+      </p:sp>
+      <p:pic>
+        <p:nvPicPr>
+          <p:cNvPr id="16" name="Grafik 15"/>
+          <p:cNvPicPr>
+            <a:picLocks noChangeAspect="1"/>
+          </p:cNvPicPr>
+          <p:nvPr/>
+        </p:nvPicPr>
+        <p:blipFill>
+          <a:blip r:embed="rId3" cstate="print">
+            <a:extLst>
+              <a:ext uri="{28A0092B-C50C-407E-A947-70E740481C1C}">
+                <a14:useLocalDpi xmlns:a14="http://schemas.microsoft.com/office/drawing/2010/main" val="0"/>
+              </a:ext>
+            </a:extLst>
+          </a:blip>
+          <a:stretch>
+            <a:fillRect/>
+          </a:stretch>
+        </p:blipFill>
+        <p:spPr>
+          <a:xfrm>
+            <a:off x="27324031" y="684288"/>
+            <a:ext cx="2389273" cy="1457267"/>
+          </a:xfrm>
+          <a:prstGeom prst="rect">
+            <a:avLst/>
+          </a:prstGeom>
+        </p:spPr>
+      </p:pic>
       <p:sp>
         <p:nvSpPr>
           <p:cNvPr id="78" name="Abgerundetes Rechteck 77"/>
@@ -1383,17 +1557,15 @@
         </p:nvSpPr>
         <p:spPr bwMode="auto">
           <a:xfrm>
-            <a:off x="618357" y="1402221"/>
-            <a:ext cx="29379264" cy="19516314"/>
+            <a:off x="1557867" y="1692400"/>
+            <a:ext cx="15238304" cy="17655125"/>
           </a:xfrm>
           <a:prstGeom prst="roundRect">
             <a:avLst>
               <a:gd name="adj" fmla="val 5011"/>
             </a:avLst>
           </a:prstGeom>
-          <a:solidFill>
-            <a:schemeClr val="bg1"/>
-          </a:solidFill>
+          <a:noFill/>
           <a:ln w="38100">
             <a:solidFill>
               <a:srgbClr val="E6BA00"/>
@@ -1441,14 +1613,14 @@
       </p:sp>
       <p:sp>
         <p:nvSpPr>
-          <p:cNvPr id="81" name="Abgerundetes Rechteck 80"/>
+          <p:cNvPr id="8" name="Abgerundetes Rechteck 7"/>
           <p:cNvSpPr/>
           <p:nvPr/>
         </p:nvSpPr>
         <p:spPr bwMode="auto">
           <a:xfrm>
-            <a:off x="1314451" y="1638827"/>
-            <a:ext cx="19154128" cy="18487621"/>
+            <a:off x="4993272" y="2063828"/>
+            <a:ext cx="8674410" cy="7695936"/>
           </a:xfrm>
           <a:prstGeom prst="roundRect">
             <a:avLst>
@@ -1494,6 +1666,7 @@
           <a:bodyPr wrap="none" lIns="95253" tIns="47627" rIns="95253" bIns="47627" rtlCol="0" anchor="ctr"/>
           <a:lstStyle/>
           <a:p>
+            <a:pPr algn="ctr"/>
             <a:endParaRPr lang="de-DE" dirty="0">
               <a:solidFill>
                 <a:srgbClr val="032934"/>
@@ -1503,1538 +1676,634 @@
           </a:p>
         </p:txBody>
       </p:sp>
-      <p:grpSp>
-        <p:nvGrpSpPr>
-          <p:cNvPr id="3" name="Gruppieren 2"/>
-          <p:cNvGrpSpPr/>
+      <p:sp>
+        <p:nvSpPr>
+          <p:cNvPr id="83" name="Abgerundetes Rechteck 82"/>
+          <p:cNvSpPr/>
           <p:nvPr/>
-        </p:nvGrpSpPr>
-        <p:grpSpPr>
+        </p:nvSpPr>
+        <p:spPr bwMode="auto">
           <a:xfrm>
-            <a:off x="1988504" y="2342831"/>
-            <a:ext cx="25018290" cy="17295887"/>
-            <a:chOff x="647924" y="392579"/>
-            <a:chExt cx="9286547" cy="6449309"/>
-          </a:xfrm>
-        </p:grpSpPr>
-        <p:sp>
-          <p:nvSpPr>
-            <p:cNvPr id="8" name="Abgerundetes Rechteck 7"/>
-            <p:cNvSpPr/>
-            <p:nvPr/>
-          </p:nvSpPr>
-          <p:spPr bwMode="auto">
-            <a:xfrm>
-              <a:off x="1805678" y="526831"/>
-              <a:ext cx="5340738" cy="2254556"/>
-            </a:xfrm>
-            <a:prstGeom prst="roundRect">
-              <a:avLst>
-                <a:gd name="adj" fmla="val 5011"/>
-              </a:avLst>
-            </a:prstGeom>
+            <a:off x="5378076" y="6243436"/>
+            <a:ext cx="2001106" cy="1448751"/>
+          </a:xfrm>
+          <a:prstGeom prst="roundRect">
+            <a:avLst/>
+          </a:prstGeom>
+          <a:ln w="38100">
+            <a:headEnd/>
+            <a:tailEnd/>
+          </a:ln>
+          <a:extLst/>
+        </p:spPr>
+        <p:style>
+          <a:lnRef idx="2">
+            <a:schemeClr val="accent1"/>
+          </a:lnRef>
+          <a:fillRef idx="1">
+            <a:schemeClr val="lt1"/>
+          </a:fillRef>
+          <a:effectRef idx="0">
+            <a:schemeClr val="accent1"/>
+          </a:effectRef>
+          <a:fontRef idx="minor">
+            <a:schemeClr val="dk1"/>
+          </a:fontRef>
+        </p:style>
+        <p:txBody>
+          <a:bodyPr wrap="none" lIns="95253" tIns="47627" rIns="95253" bIns="47627" rtlCol="0" anchor="ctr"/>
+          <a:lstStyle/>
+          <a:p>
+            <a:pPr algn="ctr"/>
+            <a:endParaRPr lang="de-DE" dirty="0">
+              <a:solidFill>
+                <a:srgbClr val="032934"/>
+              </a:solidFill>
+              <a:latin typeface="Calibri" pitchFamily="34" charset="0"/>
+            </a:endParaRPr>
+          </a:p>
+        </p:txBody>
+      </p:sp>
+      <p:sp>
+        <p:nvSpPr>
+          <p:cNvPr id="72" name="Abgerundetes Rechteck 71"/>
+          <p:cNvSpPr/>
+          <p:nvPr/>
+        </p:nvSpPr>
+        <p:spPr bwMode="auto">
+          <a:xfrm>
+            <a:off x="5367464" y="3567922"/>
+            <a:ext cx="7926028" cy="1448751"/>
+          </a:xfrm>
+          <a:prstGeom prst="roundRect">
+            <a:avLst/>
+          </a:prstGeom>
+          <a:ln w="38100">
             <a:solidFill>
-              <a:schemeClr val="bg1"/>
+              <a:schemeClr val="accent1"/>
             </a:solidFill>
-            <a:ln w="38100">
+            <a:headEnd/>
+            <a:tailEnd/>
+          </a:ln>
+          <a:effectLst>
+            <a:outerShdw blurRad="50800" dist="38100" dir="5400000" algn="t" rotWithShape="0">
+              <a:prstClr val="black">
+                <a:alpha val="40000"/>
+              </a:prstClr>
+            </a:outerShdw>
+          </a:effectLst>
+          <a:extLst/>
+        </p:spPr>
+        <p:style>
+          <a:lnRef idx="2">
+            <a:schemeClr val="accent1"/>
+          </a:lnRef>
+          <a:fillRef idx="1">
+            <a:schemeClr val="lt1"/>
+          </a:fillRef>
+          <a:effectRef idx="0">
+            <a:schemeClr val="accent1"/>
+          </a:effectRef>
+          <a:fontRef idx="minor">
+            <a:schemeClr val="dk1"/>
+          </a:fontRef>
+        </p:style>
+        <p:txBody>
+          <a:bodyPr wrap="none" lIns="95253" tIns="47627" rIns="95253" bIns="47627" rtlCol="0" anchor="ctr"/>
+          <a:lstStyle/>
+          <a:p>
+            <a:pPr algn="ctr"/>
+            <a:endParaRPr lang="de-DE" dirty="0">
               <a:solidFill>
-                <a:srgbClr val="E6BA00"/>
+                <a:srgbClr val="032934"/>
               </a:solidFill>
-            </a:ln>
-            <a:extLst/>
-          </p:spPr>
-          <p:style>
-            <a:lnRef idx="0">
-              <a:scrgbClr r="0" g="0" b="0"/>
-            </a:lnRef>
-            <a:fillRef idx="1">
-              <a:scrgbClr r="0" g="0" b="0"/>
-            </a:fillRef>
-            <a:effectRef idx="2">
-              <a:schemeClr val="accent1">
-                <a:tint val="40000"/>
-                <a:hueOff val="0"/>
-                <a:satOff val="0"/>
-                <a:lumOff val="0"/>
-                <a:alphaOff val="0"/>
-              </a:schemeClr>
-            </a:effectRef>
-            <a:fontRef idx="minor">
-              <a:schemeClr val="dk1">
-                <a:hueOff val="0"/>
-                <a:satOff val="0"/>
-                <a:lumOff val="0"/>
-                <a:alphaOff val="0"/>
-              </a:schemeClr>
-            </a:fontRef>
-          </p:style>
-          <p:txBody>
-            <a:bodyPr wrap="none" lIns="95253" tIns="47627" rIns="95253" bIns="47627" rtlCol="0" anchor="ctr"/>
-            <a:lstStyle/>
-            <a:p>
-              <a:endParaRPr lang="de-DE" dirty="0">
-                <a:solidFill>
-                  <a:srgbClr val="032934"/>
-                </a:solidFill>
-                <a:latin typeface="Calibri" pitchFamily="34" charset="0"/>
-              </a:endParaRPr>
-            </a:p>
-          </p:txBody>
-        </p:sp>
-        <p:sp>
-          <p:nvSpPr>
-            <p:cNvPr id="83" name="Abgerundetes Rechteck 82"/>
-            <p:cNvSpPr/>
-            <p:nvPr/>
-          </p:nvSpPr>
-          <p:spPr bwMode="auto">
-            <a:xfrm>
-              <a:off x="2021702" y="1737748"/>
-              <a:ext cx="764187" cy="555772"/>
-            </a:xfrm>
-            <a:prstGeom prst="roundRect">
-              <a:avLst/>
-            </a:prstGeom>
-            <a:ln w="38100">
-              <a:headEnd/>
-              <a:tailEnd/>
-            </a:ln>
-            <a:extLst/>
-          </p:spPr>
-          <p:style>
-            <a:lnRef idx="2">
-              <a:schemeClr val="accent1"/>
-            </a:lnRef>
-            <a:fillRef idx="1">
-              <a:schemeClr val="lt1"/>
-            </a:fillRef>
-            <a:effectRef idx="0">
-              <a:schemeClr val="accent1"/>
-            </a:effectRef>
-            <a:fontRef idx="minor">
-              <a:schemeClr val="dk1"/>
-            </a:fontRef>
-          </p:style>
-          <p:txBody>
-            <a:bodyPr wrap="none" lIns="95253" tIns="47627" rIns="95253" bIns="47627" rtlCol="0" anchor="ctr"/>
-            <a:lstStyle/>
-            <a:p>
-              <a:pPr algn="ctr"/>
-              <a:endParaRPr lang="de-DE" dirty="0">
-                <a:solidFill>
-                  <a:srgbClr val="032934"/>
-                </a:solidFill>
-                <a:latin typeface="Calibri" pitchFamily="34" charset="0"/>
-              </a:endParaRPr>
-            </a:p>
-          </p:txBody>
-        </p:sp>
-        <p:sp>
-          <p:nvSpPr>
-            <p:cNvPr id="72" name="Abgerundetes Rechteck 71"/>
-            <p:cNvSpPr/>
-            <p:nvPr/>
-          </p:nvSpPr>
-          <p:spPr bwMode="auto">
-            <a:xfrm>
-              <a:off x="2021702" y="969582"/>
-              <a:ext cx="4817630" cy="555772"/>
-            </a:xfrm>
-            <a:prstGeom prst="roundRect">
-              <a:avLst/>
-            </a:prstGeom>
-            <a:ln w="38100">
-              <a:solidFill>
-                <a:schemeClr val="accent1"/>
-              </a:solidFill>
-              <a:headEnd/>
-              <a:tailEnd/>
-            </a:ln>
-            <a:effectLst>
-              <a:outerShdw blurRad="50800" dist="38100" dir="5400000" algn="t" rotWithShape="0">
-                <a:prstClr val="black">
-                  <a:alpha val="40000"/>
-                </a:prstClr>
-              </a:outerShdw>
-            </a:effectLst>
-            <a:extLst/>
-          </p:spPr>
-          <p:style>
-            <a:lnRef idx="2">
-              <a:schemeClr val="accent1"/>
-            </a:lnRef>
-            <a:fillRef idx="1">
-              <a:schemeClr val="lt1"/>
-            </a:fillRef>
-            <a:effectRef idx="0">
-              <a:schemeClr val="accent1"/>
-            </a:effectRef>
-            <a:fontRef idx="minor">
-              <a:schemeClr val="dk1"/>
-            </a:fontRef>
-          </p:style>
-          <p:txBody>
-            <a:bodyPr wrap="none" lIns="95253" tIns="47627" rIns="95253" bIns="47627" rtlCol="0" anchor="ctr"/>
-            <a:lstStyle/>
-            <a:p>
-              <a:pPr algn="ctr"/>
-              <a:endParaRPr lang="de-DE" dirty="0">
-                <a:solidFill>
-                  <a:srgbClr val="032934"/>
-                </a:solidFill>
-                <a:latin typeface="Calibri" pitchFamily="34" charset="0"/>
-              </a:endParaRPr>
-            </a:p>
-          </p:txBody>
-        </p:sp>
-        <p:sp>
-          <p:nvSpPr>
-            <p:cNvPr id="9" name="Abgerundetes Rechteck 8"/>
-            <p:cNvSpPr/>
-            <p:nvPr/>
-          </p:nvSpPr>
-          <p:spPr bwMode="auto">
-            <a:xfrm>
-              <a:off x="653550" y="392579"/>
-              <a:ext cx="927720" cy="4104344"/>
-            </a:xfrm>
-            <a:prstGeom prst="roundRect">
-              <a:avLst/>
-            </a:prstGeom>
-            <a:solidFill>
-              <a:schemeClr val="bg1"/>
-            </a:solidFill>
-            <a:ln w="38100">
-              <a:solidFill>
-                <a:schemeClr val="bg1">
-                  <a:lumMod val="50000"/>
-                </a:schemeClr>
-              </a:solidFill>
-            </a:ln>
-            <a:extLst/>
-          </p:spPr>
-          <p:style>
-            <a:lnRef idx="0">
-              <a:scrgbClr r="0" g="0" b="0"/>
-            </a:lnRef>
-            <a:fillRef idx="1">
-              <a:scrgbClr r="0" g="0" b="0"/>
-            </a:fillRef>
-            <a:effectRef idx="2">
-              <a:schemeClr val="accent1">
-                <a:tint val="40000"/>
-                <a:hueOff val="0"/>
-                <a:satOff val="0"/>
-                <a:lumOff val="0"/>
-                <a:alphaOff val="0"/>
-              </a:schemeClr>
-            </a:effectRef>
-            <a:fontRef idx="minor">
-              <a:schemeClr val="dk1">
-                <a:hueOff val="0"/>
-                <a:satOff val="0"/>
-                <a:lumOff val="0"/>
-                <a:alphaOff val="0"/>
-              </a:schemeClr>
-            </a:fontRef>
-          </p:style>
-          <p:txBody>
-            <a:bodyPr wrap="none" lIns="95253" tIns="47627" rIns="95253" bIns="47627" rtlCol="0" anchor="ctr"/>
-            <a:lstStyle/>
-            <a:p>
-              <a:pPr algn="ctr"/>
-              <a:endParaRPr lang="de-DE" dirty="0">
-                <a:solidFill>
-                  <a:srgbClr val="032934"/>
-                </a:solidFill>
-                <a:latin typeface="Calibri" pitchFamily="34" charset="0"/>
-              </a:endParaRPr>
-            </a:p>
-          </p:txBody>
-        </p:sp>
-        <p:sp>
-          <p:nvSpPr>
-            <p:cNvPr id="10" name="Abgerundetes Rechteck 9"/>
-            <p:cNvSpPr/>
-            <p:nvPr/>
-          </p:nvSpPr>
-          <p:spPr bwMode="auto">
-            <a:xfrm>
-              <a:off x="1805678" y="3488923"/>
-              <a:ext cx="5340738" cy="1008000"/>
-            </a:xfrm>
-            <a:prstGeom prst="roundRect">
-              <a:avLst/>
-            </a:prstGeom>
-            <a:solidFill>
-              <a:schemeClr val="bg1"/>
-            </a:solidFill>
-            <a:ln w="38100">
-              <a:solidFill>
-                <a:srgbClr val="E6BA00"/>
-              </a:solidFill>
-            </a:ln>
-            <a:extLst/>
-          </p:spPr>
-          <p:style>
-            <a:lnRef idx="0">
-              <a:scrgbClr r="0" g="0" b="0"/>
-            </a:lnRef>
-            <a:fillRef idx="1">
-              <a:scrgbClr r="0" g="0" b="0"/>
-            </a:fillRef>
-            <a:effectRef idx="2">
-              <a:schemeClr val="accent1">
-                <a:tint val="40000"/>
-                <a:hueOff val="0"/>
-                <a:satOff val="0"/>
-                <a:lumOff val="0"/>
-                <a:alphaOff val="0"/>
-              </a:schemeClr>
-            </a:effectRef>
-            <a:fontRef idx="minor">
-              <a:schemeClr val="dk1">
-                <a:hueOff val="0"/>
-                <a:satOff val="0"/>
-                <a:lumOff val="0"/>
-                <a:alphaOff val="0"/>
-              </a:schemeClr>
-            </a:fontRef>
-          </p:style>
-          <p:txBody>
-            <a:bodyPr wrap="none" lIns="95253" tIns="47627" rIns="95253" bIns="47627" rtlCol="0" anchor="ctr"/>
-            <a:lstStyle/>
-            <a:p>
-              <a:pPr algn="ctr"/>
-              <a:endParaRPr lang="de-DE" dirty="0">
-                <a:solidFill>
-                  <a:srgbClr val="032934"/>
-                </a:solidFill>
-                <a:latin typeface="Calibri" pitchFamily="34" charset="0"/>
-              </a:endParaRPr>
-            </a:p>
-          </p:txBody>
-        </p:sp>
-        <p:sp>
-          <p:nvSpPr>
-            <p:cNvPr id="11" name="Abgerundetes Rechteck 10"/>
-            <p:cNvSpPr/>
-            <p:nvPr/>
-          </p:nvSpPr>
-          <p:spPr bwMode="auto">
-            <a:xfrm>
-              <a:off x="653551" y="4658602"/>
-              <a:ext cx="6492865" cy="1008000"/>
-            </a:xfrm>
-            <a:prstGeom prst="roundRect">
-              <a:avLst/>
-            </a:prstGeom>
-            <a:solidFill>
-              <a:schemeClr val="bg1"/>
-            </a:solidFill>
-            <a:ln w="38100">
-              <a:solidFill>
-                <a:srgbClr val="E6BA00"/>
-              </a:solidFill>
-            </a:ln>
-            <a:extLst/>
-          </p:spPr>
-          <p:style>
-            <a:lnRef idx="0">
-              <a:scrgbClr r="0" g="0" b="0"/>
-            </a:lnRef>
-            <a:fillRef idx="1">
-              <a:scrgbClr r="0" g="0" b="0"/>
-            </a:fillRef>
-            <a:effectRef idx="2">
-              <a:schemeClr val="accent1">
-                <a:tint val="40000"/>
-                <a:hueOff val="0"/>
-                <a:satOff val="0"/>
-                <a:lumOff val="0"/>
-                <a:alphaOff val="0"/>
-              </a:schemeClr>
-            </a:effectRef>
-            <a:fontRef idx="minor">
-              <a:schemeClr val="dk1">
-                <a:hueOff val="0"/>
-                <a:satOff val="0"/>
-                <a:lumOff val="0"/>
-                <a:alphaOff val="0"/>
-              </a:schemeClr>
-            </a:fontRef>
-          </p:style>
-          <p:txBody>
-            <a:bodyPr wrap="none" lIns="95253" tIns="47627" rIns="95253" bIns="47627" rtlCol="0" anchor="ctr"/>
-            <a:lstStyle/>
-            <a:p>
-              <a:pPr algn="ctr"/>
-              <a:endParaRPr lang="de-DE" dirty="0">
-                <a:solidFill>
-                  <a:srgbClr val="032934"/>
-                </a:solidFill>
-                <a:latin typeface="Calibri" pitchFamily="34" charset="0"/>
-              </a:endParaRPr>
-            </a:p>
-          </p:txBody>
-        </p:sp>
-        <p:sp>
-          <p:nvSpPr>
-            <p:cNvPr id="12" name="Textfeld 11"/>
-            <p:cNvSpPr txBox="1"/>
-            <p:nvPr/>
-          </p:nvSpPr>
-          <p:spPr>
-            <a:xfrm>
-              <a:off x="1805679" y="486951"/>
-              <a:ext cx="8128792" cy="363965"/>
-            </a:xfrm>
-            <a:prstGeom prst="rect">
-              <a:avLst/>
-            </a:prstGeom>
-            <a:noFill/>
-          </p:spPr>
-          <p:txBody>
-            <a:bodyPr wrap="square" rtlCol="0">
-              <a:spAutoFit/>
-            </a:bodyPr>
-            <a:lstStyle/>
-            <a:p>
-              <a:pPr algn="ctr">
-                <a:buClr>
-                  <a:schemeClr val="accent1"/>
-                </a:buClr>
-              </a:pPr>
-              <a:r>
-                <a:rPr lang="de-DE" dirty="0" err="1" smtClean="0">
-                  <a:latin typeface="+mn-lt"/>
-                  <a:cs typeface="+mn-cs"/>
-                </a:rPr>
-                <a:t>Dōgus</a:t>
-              </a:r>
-              <a:r>
-                <a:rPr lang="de-DE" dirty="0" smtClean="0">
-                  <a:latin typeface="+mn-lt"/>
-                  <a:cs typeface="+mn-cs"/>
-                </a:rPr>
-                <a:t> (</a:t>
-              </a:r>
-              <a:r>
-                <a:rPr lang="de-DE" dirty="0">
-                  <a:latin typeface="+mn-lt"/>
-                  <a:cs typeface="+mn-cs"/>
-                </a:rPr>
-                <a:t>Containers)</a:t>
-              </a:r>
-            </a:p>
-          </p:txBody>
-        </p:sp>
-        <p:sp>
-          <p:nvSpPr>
-            <p:cNvPr id="13" name="Textfeld 12"/>
-            <p:cNvSpPr txBox="1"/>
-            <p:nvPr/>
-          </p:nvSpPr>
-          <p:spPr>
-            <a:xfrm rot="16200000">
-              <a:off x="-692335" y="2146185"/>
-              <a:ext cx="3619491" cy="617660"/>
-            </a:xfrm>
-            <a:prstGeom prst="rect">
-              <a:avLst/>
-            </a:prstGeom>
-            <a:noFill/>
-          </p:spPr>
-          <p:txBody>
-            <a:bodyPr wrap="square" rtlCol="0">
-              <a:spAutoFit/>
-            </a:bodyPr>
-            <a:lstStyle/>
-            <a:p>
-              <a:pPr>
-                <a:buClr>
-                  <a:schemeClr val="accent1"/>
-                </a:buClr>
-              </a:pPr>
-              <a:r>
-                <a:rPr lang="de-DE" sz="5100" b="1" dirty="0">
-                  <a:latin typeface="+mn-lt"/>
-                  <a:cs typeface="+mn-cs"/>
-                </a:rPr>
-                <a:t>Central </a:t>
-              </a:r>
-            </a:p>
-            <a:p>
-              <a:pPr>
-                <a:buClr>
-                  <a:schemeClr val="accent1"/>
-                </a:buClr>
-              </a:pPr>
-              <a:r>
-                <a:rPr lang="de-DE" sz="5100" b="1" dirty="0" err="1">
-                  <a:latin typeface="+mn-lt"/>
-                  <a:cs typeface="+mn-cs"/>
-                </a:rPr>
-                <a:t>Configuration</a:t>
-              </a:r>
-              <a:r>
-                <a:rPr lang="de-DE" sz="5100" b="1" dirty="0">
-                  <a:latin typeface="+mn-lt"/>
-                  <a:cs typeface="+mn-cs"/>
-                </a:rPr>
-                <a:t> </a:t>
-              </a:r>
-            </a:p>
-          </p:txBody>
-        </p:sp>
-        <p:sp>
-          <p:nvSpPr>
-            <p:cNvPr id="59" name="Textfeld 58"/>
-            <p:cNvSpPr txBox="1"/>
-            <p:nvPr/>
-          </p:nvSpPr>
-          <p:spPr>
-            <a:xfrm>
-              <a:off x="2281158" y="1055206"/>
-              <a:ext cx="2231993" cy="329302"/>
-            </a:xfrm>
-            <a:prstGeom prst="rect">
-              <a:avLst/>
-            </a:prstGeom>
-            <a:noFill/>
-          </p:spPr>
-          <p:txBody>
-            <a:bodyPr wrap="square" rtlCol="0">
-              <a:spAutoFit/>
-            </a:bodyPr>
-            <a:lstStyle/>
-            <a:p>
-              <a:pPr>
-                <a:buClr>
-                  <a:schemeClr val="accent1"/>
-                </a:buClr>
-              </a:pPr>
-              <a:r>
-                <a:rPr lang="en-US" sz="5100" b="1" dirty="0">
-                  <a:latin typeface="+mn-lt"/>
-                  <a:cs typeface="+mn-cs"/>
-                </a:rPr>
-                <a:t>Reverse Proxy</a:t>
-              </a:r>
-              <a:endParaRPr lang="de-DE" baseline="50000" dirty="0">
-                <a:latin typeface="+mn-lt"/>
-                <a:cs typeface="+mn-cs"/>
-              </a:endParaRPr>
-            </a:p>
-          </p:txBody>
-        </p:sp>
-        <p:pic>
-          <p:nvPicPr>
-            <p:cNvPr id="61" name="Grafik 60"/>
-            <p:cNvPicPr>
-              <a:picLocks noChangeAspect="1"/>
-            </p:cNvPicPr>
-            <p:nvPr/>
-          </p:nvPicPr>
-          <p:blipFill rotWithShape="1">
-            <a:blip r:embed="rId3" cstate="print">
-              <a:extLst>
-                <a:ext uri="{28A0092B-C50C-407E-A947-70E740481C1C}">
-                  <a14:useLocalDpi xmlns:a14="http://schemas.microsoft.com/office/drawing/2010/main" val="0"/>
-                </a:ext>
-              </a:extLst>
-            </a:blip>
-            <a:srcRect t="24375" b="29010"/>
-            <a:stretch/>
-          </p:blipFill>
-          <p:spPr>
-            <a:xfrm>
-              <a:off x="5984780" y="1055206"/>
-              <a:ext cx="767548" cy="299518"/>
-            </a:xfrm>
-            <a:prstGeom prst="rect">
-              <a:avLst/>
-            </a:prstGeom>
-          </p:spPr>
-        </p:pic>
-        <p:pic>
-          <p:nvPicPr>
-            <p:cNvPr id="64" name="Picture 3" descr="V:\Marketing\5 Produkte\5.2 Cloudogu\03_Website\Referenzen\Docker\docker.png"/>
-            <p:cNvPicPr>
-              <a:picLocks noChangeAspect="1" noChangeArrowheads="1"/>
-            </p:cNvPicPr>
-            <p:nvPr/>
-          </p:nvPicPr>
-          <p:blipFill rotWithShape="1">
-            <a:blip r:embed="rId4" cstate="email">
-              <a:duotone>
-                <a:prstClr val="black"/>
-                <a:schemeClr val="tx2">
-                  <a:tint val="45000"/>
-                  <a:satMod val="400000"/>
-                </a:schemeClr>
-              </a:duotone>
-              <a:extLst>
-                <a:ext uri="{28A0092B-C50C-407E-A947-70E740481C1C}">
-                  <a14:useLocalDpi xmlns:a14="http://schemas.microsoft.com/office/drawing/2010/main"/>
-                </a:ext>
-              </a:extLst>
-            </a:blip>
-            <a:srcRect l="10442" t="7638" r="7387" b="14310"/>
-            <a:stretch/>
-          </p:blipFill>
-          <p:spPr bwMode="auto">
-            <a:xfrm>
-              <a:off x="5965678" y="3560237"/>
-              <a:ext cx="1018950" cy="863438"/>
-            </a:xfrm>
-            <a:prstGeom prst="rect">
-              <a:avLst/>
-            </a:prstGeom>
-            <a:noFill/>
-            <a:extLst>
-              <a:ext uri="{909E8E84-426E-40DD-AFC4-6F175D3DCCD1}">
-                <a14:hiddenFill xmlns:a14="http://schemas.microsoft.com/office/drawing/2010/main">
-                  <a:solidFill>
-                    <a:srgbClr val="FFFFFF"/>
-                  </a:solidFill>
-                </a14:hiddenFill>
-              </a:ext>
-            </a:extLst>
-          </p:spPr>
-        </p:pic>
-        <p:pic>
-          <p:nvPicPr>
-            <p:cNvPr id="65" name="Picture 4" descr="V:\Marketing\5 Produkte\5.2 Cloudogu\03_Website\Referenzen\ubuntu\logo-ubuntu_st_no®-orange-hex.png"/>
-            <p:cNvPicPr>
-              <a:picLocks noChangeAspect="1" noChangeArrowheads="1"/>
-            </p:cNvPicPr>
-            <p:nvPr/>
-          </p:nvPicPr>
-          <p:blipFill rotWithShape="1">
-            <a:blip r:embed="rId5">
-              <a:duotone>
-                <a:prstClr val="black"/>
-                <a:schemeClr val="tx2">
-                  <a:tint val="45000"/>
-                  <a:satMod val="400000"/>
-                </a:schemeClr>
-              </a:duotone>
-              <a:extLst>
-                <a:ext uri="{28A0092B-C50C-407E-A947-70E740481C1C}">
-                  <a14:useLocalDpi xmlns:a14="http://schemas.microsoft.com/office/drawing/2010/main"/>
-                </a:ext>
-              </a:extLst>
-            </a:blip>
-            <a:srcRect l="17514" t="11369" r="21542" b="19845"/>
-            <a:stretch/>
-          </p:blipFill>
-          <p:spPr bwMode="auto">
-            <a:xfrm>
-              <a:off x="5984780" y="4777163"/>
-              <a:ext cx="970544" cy="774418"/>
-            </a:xfrm>
-            <a:prstGeom prst="rect">
-              <a:avLst/>
-            </a:prstGeom>
-            <a:noFill/>
-            <a:extLst>
-              <a:ext uri="{909E8E84-426E-40DD-AFC4-6F175D3DCCD1}">
-                <a14:hiddenFill xmlns:a14="http://schemas.microsoft.com/office/drawing/2010/main">
-                  <a:solidFill>
-                    <a:srgbClr val="FFFFFF"/>
-                  </a:solidFill>
-                </a14:hiddenFill>
-              </a:ext>
-            </a:extLst>
-          </p:spPr>
-        </p:pic>
-        <p:pic>
-          <p:nvPicPr>
-            <p:cNvPr id="71" name="Picture 8" descr="V:\Marketing\5 Produkte\5.2 Cloudogu\03_Website\Referenzen\etcd-logo\etcd-logo.png"/>
-            <p:cNvPicPr>
-              <a:picLocks noChangeAspect="1" noChangeArrowheads="1"/>
-            </p:cNvPicPr>
-            <p:nvPr/>
-          </p:nvPicPr>
-          <p:blipFill>
-            <a:blip r:embed="rId6" cstate="print">
-              <a:grayscl/>
-              <a:extLst>
-                <a:ext uri="{28A0092B-C50C-407E-A947-70E740481C1C}">
-                  <a14:useLocalDpi xmlns:a14="http://schemas.microsoft.com/office/drawing/2010/main" val="0"/>
-                </a:ext>
-              </a:extLst>
-            </a:blip>
-            <a:srcRect/>
-            <a:stretch>
-              <a:fillRect/>
-            </a:stretch>
-          </p:blipFill>
-          <p:spPr bwMode="auto">
-            <a:xfrm rot="16200000">
-              <a:off x="797606" y="1337224"/>
-              <a:ext cx="711832" cy="383065"/>
-            </a:xfrm>
-            <a:prstGeom prst="rect">
-              <a:avLst/>
-            </a:prstGeom>
-            <a:noFill/>
-            <a:extLst>
-              <a:ext uri="{909E8E84-426E-40DD-AFC4-6F175D3DCCD1}">
-                <a14:hiddenFill xmlns:a14="http://schemas.microsoft.com/office/drawing/2010/main">
-                  <a:solidFill>
-                    <a:srgbClr val="FFFFFF"/>
-                  </a:solidFill>
-                </a14:hiddenFill>
-              </a:ext>
-            </a:extLst>
-          </p:spPr>
-        </p:pic>
-        <p:sp>
-          <p:nvSpPr>
-            <p:cNvPr id="88" name="Textfeld 87"/>
-            <p:cNvSpPr txBox="1"/>
-            <p:nvPr/>
-          </p:nvSpPr>
-          <p:spPr>
-            <a:xfrm>
-              <a:off x="4507134" y="3663641"/>
-              <a:ext cx="219081" cy="294638"/>
-            </a:xfrm>
-            <a:prstGeom prst="rect">
-              <a:avLst/>
-            </a:prstGeom>
-            <a:noFill/>
-            <a:ln>
-              <a:noFill/>
-            </a:ln>
-          </p:spPr>
-          <p:txBody>
-            <a:bodyPr wrap="square" rtlCol="0">
-              <a:spAutoFit/>
-            </a:bodyPr>
-            <a:lstStyle/>
-            <a:p>
-              <a:r>
-                <a:rPr lang="de-DE" sz="4500" dirty="0">
-                  <a:solidFill>
-                    <a:schemeClr val="bg1"/>
-                  </a:solidFill>
-                  <a:latin typeface="+mn-lt"/>
-                </a:rPr>
-                <a:t>3</a:t>
-              </a:r>
-            </a:p>
-          </p:txBody>
-        </p:sp>
-        <p:sp>
-          <p:nvSpPr>
-            <p:cNvPr id="91" name="Textfeld 90"/>
-            <p:cNvSpPr txBox="1"/>
-            <p:nvPr/>
-          </p:nvSpPr>
-          <p:spPr>
-            <a:xfrm>
-              <a:off x="5118281" y="4791913"/>
-              <a:ext cx="219081" cy="294638"/>
-            </a:xfrm>
-            <a:prstGeom prst="rect">
-              <a:avLst/>
-            </a:prstGeom>
-            <a:noFill/>
-            <a:ln>
-              <a:noFill/>
-            </a:ln>
-          </p:spPr>
-          <p:txBody>
-            <a:bodyPr wrap="square" rtlCol="0">
-              <a:spAutoFit/>
-            </a:bodyPr>
-            <a:lstStyle/>
-            <a:p>
-              <a:r>
-                <a:rPr lang="de-DE" sz="4500" dirty="0">
-                  <a:solidFill>
-                    <a:schemeClr val="bg1"/>
-                  </a:solidFill>
-                  <a:latin typeface="+mn-lt"/>
-                </a:rPr>
-                <a:t>2</a:t>
-              </a:r>
-            </a:p>
-          </p:txBody>
-        </p:sp>
-        <p:sp>
-          <p:nvSpPr>
-            <p:cNvPr id="93" name="Freeform 114"/>
-            <p:cNvSpPr>
-              <a:spLocks noEditPoints="1"/>
-            </p:cNvSpPr>
-            <p:nvPr/>
-          </p:nvSpPr>
-          <p:spPr bwMode="auto">
-            <a:xfrm>
-              <a:off x="4464199" y="578738"/>
-              <a:ext cx="228750" cy="227762"/>
-            </a:xfrm>
-            <a:custGeom>
-              <a:avLst/>
-              <a:gdLst>
-                <a:gd name="T0" fmla="*/ 137 w 196"/>
-                <a:gd name="T1" fmla="*/ 0 h 195"/>
-                <a:gd name="T2" fmla="*/ 98 w 196"/>
-                <a:gd name="T3" fmla="*/ 17 h 195"/>
-                <a:gd name="T4" fmla="*/ 81 w 196"/>
-                <a:gd name="T5" fmla="*/ 58 h 195"/>
-                <a:gd name="T6" fmla="*/ 78 w 196"/>
-                <a:gd name="T7" fmla="*/ 76 h 195"/>
-                <a:gd name="T8" fmla="*/ 119 w 196"/>
-                <a:gd name="T9" fmla="*/ 117 h 195"/>
-                <a:gd name="T10" fmla="*/ 137 w 196"/>
-                <a:gd name="T11" fmla="*/ 114 h 195"/>
-                <a:gd name="T12" fmla="*/ 178 w 196"/>
-                <a:gd name="T13" fmla="*/ 98 h 195"/>
-                <a:gd name="T14" fmla="*/ 194 w 196"/>
-                <a:gd name="T15" fmla="*/ 51 h 195"/>
-                <a:gd name="T16" fmla="*/ 183 w 196"/>
-                <a:gd name="T17" fmla="*/ 43 h 195"/>
-                <a:gd name="T18" fmla="*/ 157 w 196"/>
-                <a:gd name="T19" fmla="*/ 69 h 195"/>
-                <a:gd name="T20" fmla="*/ 144 w 196"/>
-                <a:gd name="T21" fmla="*/ 69 h 195"/>
-                <a:gd name="T22" fmla="*/ 127 w 196"/>
-                <a:gd name="T23" fmla="*/ 52 h 195"/>
-                <a:gd name="T24" fmla="*/ 127 w 196"/>
-                <a:gd name="T25" fmla="*/ 39 h 195"/>
-                <a:gd name="T26" fmla="*/ 153 w 196"/>
-                <a:gd name="T27" fmla="*/ 13 h 195"/>
-                <a:gd name="T28" fmla="*/ 153 w 196"/>
-                <a:gd name="T29" fmla="*/ 5 h 195"/>
-                <a:gd name="T30" fmla="*/ 143 w 196"/>
-                <a:gd name="T31" fmla="*/ 0 h 195"/>
-                <a:gd name="T32" fmla="*/ 137 w 196"/>
-                <a:gd name="T33" fmla="*/ 0 h 195"/>
-                <a:gd name="T34" fmla="*/ 72 w 196"/>
-                <a:gd name="T35" fmla="*/ 83 h 195"/>
-                <a:gd name="T36" fmla="*/ 29 w 196"/>
-                <a:gd name="T37" fmla="*/ 126 h 195"/>
-                <a:gd name="T38" fmla="*/ 27 w 196"/>
-                <a:gd name="T39" fmla="*/ 128 h 195"/>
-                <a:gd name="T40" fmla="*/ 12 w 196"/>
-                <a:gd name="T41" fmla="*/ 143 h 195"/>
-                <a:gd name="T42" fmla="*/ 11 w 196"/>
-                <a:gd name="T43" fmla="*/ 144 h 195"/>
-                <a:gd name="T44" fmla="*/ 11 w 196"/>
-                <a:gd name="T45" fmla="*/ 183 h 195"/>
-                <a:gd name="T46" fmla="*/ 12 w 196"/>
-                <a:gd name="T47" fmla="*/ 184 h 195"/>
-                <a:gd name="T48" fmla="*/ 51 w 196"/>
-                <a:gd name="T49" fmla="*/ 184 h 195"/>
-                <a:gd name="T50" fmla="*/ 52 w 196"/>
-                <a:gd name="T51" fmla="*/ 183 h 195"/>
-                <a:gd name="T52" fmla="*/ 67 w 196"/>
-                <a:gd name="T53" fmla="*/ 168 h 195"/>
-                <a:gd name="T54" fmla="*/ 69 w 196"/>
-                <a:gd name="T55" fmla="*/ 166 h 195"/>
-                <a:gd name="T56" fmla="*/ 112 w 196"/>
-                <a:gd name="T57" fmla="*/ 124 h 195"/>
-                <a:gd name="T58" fmla="*/ 72 w 196"/>
-                <a:gd name="T59" fmla="*/ 83 h 195"/>
-                <a:gd name="T60" fmla="*/ 31 w 196"/>
-                <a:gd name="T61" fmla="*/ 151 h 195"/>
-                <a:gd name="T62" fmla="*/ 43 w 196"/>
-                <a:gd name="T63" fmla="*/ 164 h 195"/>
-                <a:gd name="T64" fmla="*/ 31 w 196"/>
-                <a:gd name="T65" fmla="*/ 176 h 195"/>
-                <a:gd name="T66" fmla="*/ 19 w 196"/>
-                <a:gd name="T67" fmla="*/ 164 h 195"/>
-                <a:gd name="T68" fmla="*/ 31 w 196"/>
-                <a:gd name="T69" fmla="*/ 151 h 195"/>
-              </a:gdLst>
-              <a:ahLst/>
-              <a:cxnLst>
-                <a:cxn ang="0">
-                  <a:pos x="T0" y="T1"/>
-                </a:cxn>
-                <a:cxn ang="0">
-                  <a:pos x="T2" y="T3"/>
-                </a:cxn>
-                <a:cxn ang="0">
-                  <a:pos x="T4" y="T5"/>
-                </a:cxn>
-                <a:cxn ang="0">
-                  <a:pos x="T6" y="T7"/>
-                </a:cxn>
-                <a:cxn ang="0">
-                  <a:pos x="T8" y="T9"/>
-                </a:cxn>
-                <a:cxn ang="0">
-                  <a:pos x="T10" y="T11"/>
-                </a:cxn>
-                <a:cxn ang="0">
-                  <a:pos x="T12" y="T13"/>
-                </a:cxn>
-                <a:cxn ang="0">
-                  <a:pos x="T14" y="T15"/>
-                </a:cxn>
-                <a:cxn ang="0">
-                  <a:pos x="T16" y="T17"/>
-                </a:cxn>
-                <a:cxn ang="0">
-                  <a:pos x="T18" y="T19"/>
-                </a:cxn>
-                <a:cxn ang="0">
-                  <a:pos x="T20" y="T21"/>
-                </a:cxn>
-                <a:cxn ang="0">
-                  <a:pos x="T22" y="T23"/>
-                </a:cxn>
-                <a:cxn ang="0">
-                  <a:pos x="T24" y="T25"/>
-                </a:cxn>
-                <a:cxn ang="0">
-                  <a:pos x="T26" y="T27"/>
-                </a:cxn>
-                <a:cxn ang="0">
-                  <a:pos x="T28" y="T29"/>
-                </a:cxn>
-                <a:cxn ang="0">
-                  <a:pos x="T30" y="T31"/>
-                </a:cxn>
-                <a:cxn ang="0">
-                  <a:pos x="T32" y="T33"/>
-                </a:cxn>
-                <a:cxn ang="0">
-                  <a:pos x="T34" y="T35"/>
-                </a:cxn>
-                <a:cxn ang="0">
-                  <a:pos x="T36" y="T37"/>
-                </a:cxn>
-                <a:cxn ang="0">
-                  <a:pos x="T38" y="T39"/>
-                </a:cxn>
-                <a:cxn ang="0">
-                  <a:pos x="T40" y="T41"/>
-                </a:cxn>
-                <a:cxn ang="0">
-                  <a:pos x="T42" y="T43"/>
-                </a:cxn>
-                <a:cxn ang="0">
-                  <a:pos x="T44" y="T45"/>
-                </a:cxn>
-                <a:cxn ang="0">
-                  <a:pos x="T46" y="T47"/>
-                </a:cxn>
-                <a:cxn ang="0">
-                  <a:pos x="T48" y="T49"/>
-                </a:cxn>
-                <a:cxn ang="0">
-                  <a:pos x="T50" y="T51"/>
-                </a:cxn>
-                <a:cxn ang="0">
-                  <a:pos x="T52" y="T53"/>
-                </a:cxn>
-                <a:cxn ang="0">
-                  <a:pos x="T54" y="T55"/>
-                </a:cxn>
-                <a:cxn ang="0">
-                  <a:pos x="T56" y="T57"/>
-                </a:cxn>
-                <a:cxn ang="0">
-                  <a:pos x="T58" y="T59"/>
-                </a:cxn>
-                <a:cxn ang="0">
-                  <a:pos x="T60" y="T61"/>
-                </a:cxn>
-                <a:cxn ang="0">
-                  <a:pos x="T62" y="T63"/>
-                </a:cxn>
-                <a:cxn ang="0">
-                  <a:pos x="T64" y="T65"/>
-                </a:cxn>
-                <a:cxn ang="0">
-                  <a:pos x="T66" y="T67"/>
-                </a:cxn>
-                <a:cxn ang="0">
-                  <a:pos x="T68" y="T69"/>
-                </a:cxn>
-              </a:cxnLst>
-              <a:rect l="0" t="0" r="r" b="b"/>
-              <a:pathLst>
-                <a:path w="196" h="195">
-                  <a:moveTo>
-                    <a:pt x="137" y="0"/>
-                  </a:moveTo>
-                  <a:cubicBezTo>
-                    <a:pt x="123" y="0"/>
-                    <a:pt x="108" y="6"/>
-                    <a:pt x="98" y="17"/>
-                  </a:cubicBezTo>
-                  <a:cubicBezTo>
-                    <a:pt x="86" y="28"/>
-                    <a:pt x="81" y="43"/>
-                    <a:pt x="81" y="58"/>
-                  </a:cubicBezTo>
-                  <a:cubicBezTo>
-                    <a:pt x="81" y="66"/>
-                    <a:pt x="80" y="71"/>
-                    <a:pt x="78" y="76"/>
-                  </a:cubicBezTo>
-                  <a:cubicBezTo>
-                    <a:pt x="119" y="117"/>
-                    <a:pt x="119" y="117"/>
-                    <a:pt x="119" y="117"/>
-                  </a:cubicBezTo>
-                  <a:cubicBezTo>
-                    <a:pt x="124" y="115"/>
-                    <a:pt x="130" y="114"/>
-                    <a:pt x="137" y="114"/>
-                  </a:cubicBezTo>
-                  <a:cubicBezTo>
-                    <a:pt x="152" y="114"/>
-                    <a:pt x="166" y="109"/>
-                    <a:pt x="178" y="98"/>
-                  </a:cubicBezTo>
-                  <a:cubicBezTo>
-                    <a:pt x="190" y="85"/>
-                    <a:pt x="196" y="68"/>
-                    <a:pt x="194" y="51"/>
-                  </a:cubicBezTo>
-                  <a:cubicBezTo>
-                    <a:pt x="194" y="45"/>
-                    <a:pt x="188" y="37"/>
-                    <a:pt x="183" y="43"/>
-                  </a:cubicBezTo>
-                  <a:cubicBezTo>
-                    <a:pt x="157" y="69"/>
-                    <a:pt x="157" y="69"/>
-                    <a:pt x="157" y="69"/>
-                  </a:cubicBezTo>
-                  <a:cubicBezTo>
-                    <a:pt x="153" y="73"/>
-                    <a:pt x="148" y="73"/>
-                    <a:pt x="144" y="69"/>
-                  </a:cubicBezTo>
-                  <a:cubicBezTo>
-                    <a:pt x="127" y="52"/>
-                    <a:pt x="127" y="52"/>
-                    <a:pt x="127" y="52"/>
-                  </a:cubicBezTo>
-                  <a:cubicBezTo>
-                    <a:pt x="123" y="49"/>
-                    <a:pt x="123" y="42"/>
-                    <a:pt x="127" y="39"/>
-                  </a:cubicBezTo>
-                  <a:cubicBezTo>
-                    <a:pt x="153" y="13"/>
-                    <a:pt x="153" y="13"/>
-                    <a:pt x="153" y="13"/>
-                  </a:cubicBezTo>
-                  <a:cubicBezTo>
-                    <a:pt x="156" y="10"/>
-                    <a:pt x="155" y="7"/>
-                    <a:pt x="153" y="5"/>
-                  </a:cubicBezTo>
-                  <a:cubicBezTo>
-                    <a:pt x="151" y="2"/>
-                    <a:pt x="147" y="1"/>
-                    <a:pt x="143" y="0"/>
-                  </a:cubicBezTo>
-                  <a:cubicBezTo>
-                    <a:pt x="141" y="0"/>
-                    <a:pt x="139" y="0"/>
-                    <a:pt x="137" y="0"/>
-                  </a:cubicBezTo>
-                  <a:close/>
-                  <a:moveTo>
-                    <a:pt x="72" y="83"/>
-                  </a:moveTo>
-                  <a:cubicBezTo>
-                    <a:pt x="29" y="126"/>
-                    <a:pt x="29" y="126"/>
-                    <a:pt x="29" y="126"/>
-                  </a:cubicBezTo>
-                  <a:cubicBezTo>
-                    <a:pt x="28" y="127"/>
-                    <a:pt x="27" y="128"/>
-                    <a:pt x="27" y="128"/>
-                  </a:cubicBezTo>
-                  <a:cubicBezTo>
-                    <a:pt x="12" y="143"/>
-                    <a:pt x="12" y="143"/>
-                    <a:pt x="12" y="143"/>
-                  </a:cubicBezTo>
-                  <a:cubicBezTo>
-                    <a:pt x="11" y="144"/>
-                    <a:pt x="11" y="144"/>
-                    <a:pt x="11" y="144"/>
-                  </a:cubicBezTo>
-                  <a:cubicBezTo>
-                    <a:pt x="0" y="155"/>
-                    <a:pt x="0" y="173"/>
-                    <a:pt x="11" y="183"/>
-                  </a:cubicBezTo>
-                  <a:cubicBezTo>
-                    <a:pt x="12" y="184"/>
-                    <a:pt x="12" y="184"/>
-                    <a:pt x="12" y="184"/>
-                  </a:cubicBezTo>
-                  <a:cubicBezTo>
-                    <a:pt x="22" y="195"/>
-                    <a:pt x="40" y="195"/>
-                    <a:pt x="51" y="184"/>
-                  </a:cubicBezTo>
-                  <a:cubicBezTo>
-                    <a:pt x="52" y="183"/>
-                    <a:pt x="52" y="183"/>
-                    <a:pt x="52" y="183"/>
-                  </a:cubicBezTo>
-                  <a:cubicBezTo>
-                    <a:pt x="67" y="168"/>
-                    <a:pt x="67" y="168"/>
-                    <a:pt x="67" y="168"/>
-                  </a:cubicBezTo>
-                  <a:cubicBezTo>
-                    <a:pt x="68" y="168"/>
-                    <a:pt x="68" y="167"/>
-                    <a:pt x="69" y="166"/>
-                  </a:cubicBezTo>
-                  <a:cubicBezTo>
-                    <a:pt x="112" y="124"/>
-                    <a:pt x="112" y="124"/>
-                    <a:pt x="112" y="124"/>
-                  </a:cubicBezTo>
-                  <a:cubicBezTo>
-                    <a:pt x="72" y="83"/>
-                    <a:pt x="72" y="83"/>
-                    <a:pt x="72" y="83"/>
-                  </a:cubicBezTo>
-                  <a:close/>
-                  <a:moveTo>
-                    <a:pt x="31" y="151"/>
-                  </a:moveTo>
-                  <a:cubicBezTo>
-                    <a:pt x="38" y="151"/>
-                    <a:pt x="43" y="157"/>
-                    <a:pt x="43" y="164"/>
-                  </a:cubicBezTo>
-                  <a:cubicBezTo>
-                    <a:pt x="43" y="170"/>
-                    <a:pt x="38" y="176"/>
-                    <a:pt x="31" y="176"/>
-                  </a:cubicBezTo>
-                  <a:cubicBezTo>
-                    <a:pt x="24" y="176"/>
-                    <a:pt x="19" y="170"/>
-                    <a:pt x="19" y="164"/>
-                  </a:cubicBezTo>
-                  <a:cubicBezTo>
-                    <a:pt x="19" y="157"/>
-                    <a:pt x="24" y="151"/>
-                    <a:pt x="31" y="151"/>
-                  </a:cubicBezTo>
-                  <a:close/>
-                </a:path>
-              </a:pathLst>
-            </a:custGeom>
+              <a:latin typeface="Calibri" pitchFamily="34" charset="0"/>
+            </a:endParaRPr>
+          </a:p>
+        </p:txBody>
+      </p:sp>
+      <p:sp>
+        <p:nvSpPr>
+          <p:cNvPr id="9" name="Abgerundetes Rechteck 8"/>
+          <p:cNvSpPr/>
+          <p:nvPr/>
+        </p:nvSpPr>
+        <p:spPr bwMode="auto">
+          <a:xfrm>
+            <a:off x="1976300" y="2063828"/>
+            <a:ext cx="2429336" cy="10698937"/>
+          </a:xfrm>
+          <a:prstGeom prst="roundRect">
+            <a:avLst/>
+          </a:prstGeom>
+          <a:solidFill>
+            <a:schemeClr val="bg1"/>
+          </a:solidFill>
+          <a:ln w="38100">
             <a:solidFill>
               <a:schemeClr val="bg1">
                 <a:lumMod val="50000"/>
               </a:schemeClr>
             </a:solidFill>
-            <a:ln>
-              <a:noFill/>
-            </a:ln>
-            <a:extLst/>
-          </p:spPr>
-          <p:txBody>
-            <a:bodyPr vert="horz" wrap="square" lIns="91440" tIns="45720" rIns="91440" bIns="45720" numCol="1" anchor="t" anchorCtr="0" compatLnSpc="1">
-              <a:prstTxWarp prst="textNoShape">
-                <a:avLst/>
-              </a:prstTxWarp>
-            </a:bodyPr>
-            <a:lstStyle/>
-            <a:p>
-              <a:endParaRPr lang="de-DE"/>
-            </a:p>
-          </p:txBody>
-        </p:sp>
-        <p:sp>
-          <p:nvSpPr>
-            <p:cNvPr id="86" name="Abgerundetes Rechteck 85"/>
-            <p:cNvSpPr/>
-            <p:nvPr/>
-          </p:nvSpPr>
-          <p:spPr bwMode="auto">
-            <a:xfrm>
-              <a:off x="647924" y="5833888"/>
-              <a:ext cx="6498492" cy="1008000"/>
-            </a:xfrm>
-            <a:prstGeom prst="roundRect">
-              <a:avLst/>
-            </a:prstGeom>
+          </a:ln>
+          <a:extLst/>
+        </p:spPr>
+        <p:style>
+          <a:lnRef idx="0">
+            <a:scrgbClr r="0" g="0" b="0"/>
+          </a:lnRef>
+          <a:fillRef idx="1">
+            <a:scrgbClr r="0" g="0" b="0"/>
+          </a:fillRef>
+          <a:effectRef idx="2">
+            <a:schemeClr val="accent1">
+              <a:tint val="40000"/>
+              <a:hueOff val="0"/>
+              <a:satOff val="0"/>
+              <a:lumOff val="0"/>
+              <a:alphaOff val="0"/>
+            </a:schemeClr>
+          </a:effectRef>
+          <a:fontRef idx="minor">
+            <a:schemeClr val="dk1">
+              <a:hueOff val="0"/>
+              <a:satOff val="0"/>
+              <a:lumOff val="0"/>
+              <a:alphaOff val="0"/>
+            </a:schemeClr>
+          </a:fontRef>
+        </p:style>
+        <p:txBody>
+          <a:bodyPr wrap="none" lIns="95253" tIns="47627" rIns="95253" bIns="47627" rtlCol="0" anchor="ctr"/>
+          <a:lstStyle/>
+          <a:p>
+            <a:pPr algn="ctr"/>
+            <a:endParaRPr lang="de-DE" dirty="0">
+              <a:solidFill>
+                <a:srgbClr val="032934"/>
+              </a:solidFill>
+              <a:latin typeface="Calibri" pitchFamily="34" charset="0"/>
+            </a:endParaRPr>
+          </a:p>
+        </p:txBody>
+      </p:sp>
+      <p:sp>
+        <p:nvSpPr>
+          <p:cNvPr id="10" name="Abgerundetes Rechteck 9"/>
+          <p:cNvSpPr/>
+          <p:nvPr/>
+        </p:nvSpPr>
+        <p:spPr bwMode="auto">
+          <a:xfrm>
+            <a:off x="4993271" y="10135176"/>
+            <a:ext cx="8659675" cy="2627589"/>
+          </a:xfrm>
+          <a:prstGeom prst="roundRect">
+            <a:avLst/>
+          </a:prstGeom>
+          <a:solidFill>
+            <a:schemeClr val="bg1"/>
+          </a:solidFill>
+          <a:ln w="38100">
             <a:solidFill>
-              <a:schemeClr val="bg1"/>
+              <a:srgbClr val="E6BA00"/>
             </a:solidFill>
-            <a:ln w="38100">
+          </a:ln>
+          <a:extLst/>
+        </p:spPr>
+        <p:style>
+          <a:lnRef idx="0">
+            <a:scrgbClr r="0" g="0" b="0"/>
+          </a:lnRef>
+          <a:fillRef idx="1">
+            <a:scrgbClr r="0" g="0" b="0"/>
+          </a:fillRef>
+          <a:effectRef idx="2">
+            <a:schemeClr val="accent1">
+              <a:tint val="40000"/>
+              <a:hueOff val="0"/>
+              <a:satOff val="0"/>
+              <a:lumOff val="0"/>
+              <a:alphaOff val="0"/>
+            </a:schemeClr>
+          </a:effectRef>
+          <a:fontRef idx="minor">
+            <a:schemeClr val="dk1">
+              <a:hueOff val="0"/>
+              <a:satOff val="0"/>
+              <a:lumOff val="0"/>
+              <a:alphaOff val="0"/>
+            </a:schemeClr>
+          </a:fontRef>
+        </p:style>
+        <p:txBody>
+          <a:bodyPr wrap="none" lIns="95253" tIns="47627" rIns="95253" bIns="47627" rtlCol="0" anchor="ctr"/>
+          <a:lstStyle/>
+          <a:p>
+            <a:pPr algn="ctr"/>
+            <a:endParaRPr lang="de-DE" dirty="0">
               <a:solidFill>
-                <a:srgbClr val="E6BA00"/>
+                <a:srgbClr val="032934"/>
               </a:solidFill>
-            </a:ln>
-            <a:extLst/>
-          </p:spPr>
-          <p:style>
-            <a:lnRef idx="0">
-              <a:scrgbClr r="0" g="0" b="0"/>
-            </a:lnRef>
-            <a:fillRef idx="1">
-              <a:scrgbClr r="0" g="0" b="0"/>
-            </a:fillRef>
-            <a:effectRef idx="2">
-              <a:schemeClr val="accent1">
-                <a:tint val="40000"/>
-                <a:hueOff val="0"/>
-                <a:satOff val="0"/>
-                <a:lumOff val="0"/>
-                <a:alphaOff val="0"/>
-              </a:schemeClr>
-            </a:effectRef>
-            <a:fontRef idx="minor">
-              <a:schemeClr val="dk1">
-                <a:hueOff val="0"/>
-                <a:satOff val="0"/>
-                <a:lumOff val="0"/>
-                <a:alphaOff val="0"/>
-              </a:schemeClr>
-            </a:fontRef>
-          </p:style>
-          <p:txBody>
-            <a:bodyPr wrap="none" lIns="95253" tIns="47627" rIns="95253" bIns="47627" rtlCol="0" anchor="ctr"/>
-            <a:lstStyle/>
-            <a:p>
-              <a:pPr algn="ctr"/>
-              <a:endParaRPr lang="de-DE" dirty="0">
-                <a:solidFill>
-                  <a:srgbClr val="032934"/>
-                </a:solidFill>
-                <a:latin typeface="Calibri" pitchFamily="34" charset="0"/>
-              </a:endParaRPr>
-            </a:p>
-          </p:txBody>
-        </p:sp>
-        <p:sp>
-          <p:nvSpPr>
-            <p:cNvPr id="142" name="Textfeld 141"/>
-            <p:cNvSpPr txBox="1"/>
-            <p:nvPr/>
-          </p:nvSpPr>
-          <p:spPr>
-            <a:xfrm>
-              <a:off x="2310557" y="6089111"/>
-              <a:ext cx="6940455" cy="361507"/>
-            </a:xfrm>
-            <a:prstGeom prst="rect">
-              <a:avLst/>
-            </a:prstGeom>
-            <a:noFill/>
-          </p:spPr>
-          <p:txBody>
-            <a:bodyPr wrap="square" rtlCol="0">
-              <a:spAutoFit/>
-            </a:bodyPr>
-            <a:lstStyle/>
-            <a:p>
-              <a:pPr>
-                <a:buClr>
-                  <a:schemeClr val="accent1"/>
-                </a:buClr>
-              </a:pPr>
-              <a:r>
-                <a:rPr lang="de-DE" b="1" dirty="0" err="1" smtClean="0">
-                  <a:latin typeface="+mn-lt"/>
-                  <a:cs typeface="+mn-cs"/>
-                </a:rPr>
-                <a:t>Vagrant</a:t>
-              </a:r>
-              <a:r>
-                <a:rPr lang="de-DE" b="1" dirty="0" smtClean="0">
-                  <a:latin typeface="+mn-lt"/>
-                  <a:cs typeface="+mn-cs"/>
-                </a:rPr>
-                <a:t> + Virtual Box</a:t>
-              </a:r>
-              <a:endParaRPr lang="de-DE" sz="8800" dirty="0">
+              <a:latin typeface="Calibri" pitchFamily="34" charset="0"/>
+            </a:endParaRPr>
+          </a:p>
+        </p:txBody>
+      </p:sp>
+      <p:sp>
+        <p:nvSpPr>
+          <p:cNvPr id="11" name="Abgerundetes Rechteck 10"/>
+          <p:cNvSpPr/>
+          <p:nvPr/>
+        </p:nvSpPr>
+        <p:spPr bwMode="auto">
+          <a:xfrm>
+            <a:off x="1976301" y="13184219"/>
+            <a:ext cx="11691380" cy="2627589"/>
+          </a:xfrm>
+          <a:prstGeom prst="roundRect">
+            <a:avLst/>
+          </a:prstGeom>
+          <a:solidFill>
+            <a:schemeClr val="bg1"/>
+          </a:solidFill>
+          <a:ln w="38100">
+            <a:solidFill>
+              <a:srgbClr val="E6BA00"/>
+            </a:solidFill>
+          </a:ln>
+          <a:extLst/>
+        </p:spPr>
+        <p:style>
+          <a:lnRef idx="0">
+            <a:scrgbClr r="0" g="0" b="0"/>
+          </a:lnRef>
+          <a:fillRef idx="1">
+            <a:scrgbClr r="0" g="0" b="0"/>
+          </a:fillRef>
+          <a:effectRef idx="2">
+            <a:schemeClr val="accent1">
+              <a:tint val="40000"/>
+              <a:hueOff val="0"/>
+              <a:satOff val="0"/>
+              <a:lumOff val="0"/>
+              <a:alphaOff val="0"/>
+            </a:schemeClr>
+          </a:effectRef>
+          <a:fontRef idx="minor">
+            <a:schemeClr val="dk1">
+              <a:hueOff val="0"/>
+              <a:satOff val="0"/>
+              <a:lumOff val="0"/>
+              <a:alphaOff val="0"/>
+            </a:schemeClr>
+          </a:fontRef>
+        </p:style>
+        <p:txBody>
+          <a:bodyPr wrap="none" lIns="95253" tIns="47627" rIns="95253" bIns="47627" rtlCol="0" anchor="ctr"/>
+          <a:lstStyle/>
+          <a:p>
+            <a:pPr algn="ctr"/>
+            <a:endParaRPr lang="de-DE" dirty="0">
+              <a:solidFill>
+                <a:srgbClr val="032934"/>
+              </a:solidFill>
+              <a:latin typeface="Calibri" pitchFamily="34" charset="0"/>
+            </a:endParaRPr>
+          </a:p>
+        </p:txBody>
+      </p:sp>
+      <p:sp>
+        <p:nvSpPr>
+          <p:cNvPr id="12" name="Textfeld 11"/>
+          <p:cNvSpPr txBox="1"/>
+          <p:nvPr/>
+        </p:nvSpPr>
+        <p:spPr>
+          <a:xfrm>
+            <a:off x="4993274" y="2309831"/>
+            <a:ext cx="8674408" cy="948761"/>
+          </a:xfrm>
+          <a:prstGeom prst="rect">
+            <a:avLst/>
+          </a:prstGeom>
+          <a:noFill/>
+        </p:spPr>
+        <p:txBody>
+          <a:bodyPr wrap="square" rtlCol="0">
+            <a:spAutoFit/>
+          </a:bodyPr>
+          <a:lstStyle/>
+          <a:p>
+            <a:pPr algn="ctr">
+              <a:buClr>
+                <a:schemeClr val="accent1"/>
+              </a:buClr>
+            </a:pPr>
+            <a:r>
+              <a:rPr lang="de-DE" dirty="0" err="1" smtClean="0">
                 <a:latin typeface="+mn-lt"/>
                 <a:cs typeface="+mn-cs"/>
-              </a:endParaRPr>
-            </a:p>
-          </p:txBody>
-        </p:sp>
-        <p:sp>
-          <p:nvSpPr>
-            <p:cNvPr id="147" name="Textfeld 146"/>
-            <p:cNvSpPr txBox="1"/>
-            <p:nvPr/>
-          </p:nvSpPr>
-          <p:spPr>
-            <a:xfrm>
-              <a:off x="4320332" y="5970555"/>
-              <a:ext cx="219081" cy="294638"/>
-            </a:xfrm>
-            <a:prstGeom prst="rect">
-              <a:avLst/>
-            </a:prstGeom>
-            <a:noFill/>
-            <a:ln>
-              <a:noFill/>
-            </a:ln>
-          </p:spPr>
-          <p:txBody>
-            <a:bodyPr wrap="square" rtlCol="0">
-              <a:spAutoFit/>
-            </a:bodyPr>
-            <a:lstStyle/>
-            <a:p>
-              <a:r>
-                <a:rPr lang="de-DE" sz="4500" dirty="0">
-                  <a:solidFill>
-                    <a:schemeClr val="bg1"/>
-                  </a:solidFill>
-                  <a:latin typeface="+mn-lt"/>
-                </a:rPr>
-                <a:t>1</a:t>
-              </a:r>
-            </a:p>
-          </p:txBody>
-        </p:sp>
-        <p:sp>
-          <p:nvSpPr>
-            <p:cNvPr id="96" name="Textfeld 95"/>
-            <p:cNvSpPr txBox="1"/>
-            <p:nvPr/>
-          </p:nvSpPr>
-          <p:spPr>
-            <a:xfrm>
-              <a:off x="1218554" y="2247574"/>
-              <a:ext cx="219081" cy="294638"/>
-            </a:xfrm>
-            <a:prstGeom prst="rect">
-              <a:avLst/>
-            </a:prstGeom>
-            <a:noFill/>
-            <a:ln w="28575">
-              <a:noFill/>
-            </a:ln>
-          </p:spPr>
-          <p:txBody>
-            <a:bodyPr wrap="square" rtlCol="0">
-              <a:spAutoFit/>
-            </a:bodyPr>
-            <a:lstStyle/>
-            <a:p>
-              <a:r>
-                <a:rPr lang="de-DE" sz="4500" dirty="0">
-                  <a:solidFill>
-                    <a:schemeClr val="bg1"/>
-                  </a:solidFill>
-                  <a:latin typeface="+mn-lt"/>
-                </a:rPr>
-                <a:t>5</a:t>
-              </a:r>
-            </a:p>
-          </p:txBody>
-        </p:sp>
-        <p:sp>
-          <p:nvSpPr>
-            <p:cNvPr id="101" name="Abgerundetes Rechteck 100"/>
-            <p:cNvSpPr/>
-            <p:nvPr/>
-          </p:nvSpPr>
-          <p:spPr bwMode="auto">
-            <a:xfrm>
-              <a:off x="2120371" y="1787921"/>
-              <a:ext cx="764187" cy="555772"/>
-            </a:xfrm>
-            <a:prstGeom prst="roundRect">
-              <a:avLst/>
-            </a:prstGeom>
-            <a:ln w="38100">
-              <a:headEnd/>
-              <a:tailEnd/>
-            </a:ln>
-            <a:extLst/>
-          </p:spPr>
-          <p:style>
-            <a:lnRef idx="2">
-              <a:schemeClr val="accent1"/>
-            </a:lnRef>
-            <a:fillRef idx="1">
-              <a:schemeClr val="lt1"/>
-            </a:fillRef>
-            <a:effectRef idx="0">
-              <a:schemeClr val="accent1"/>
-            </a:effectRef>
-            <a:fontRef idx="minor">
-              <a:schemeClr val="dk1"/>
-            </a:fontRef>
-          </p:style>
-          <p:txBody>
-            <a:bodyPr wrap="none" lIns="95253" tIns="47627" rIns="95253" bIns="47627" rtlCol="0" anchor="ctr"/>
-            <a:lstStyle/>
-            <a:p>
-              <a:pPr algn="ctr"/>
-              <a:endParaRPr lang="de-DE" dirty="0">
-                <a:solidFill>
-                  <a:srgbClr val="032934"/>
-                </a:solidFill>
-                <a:latin typeface="Calibri" pitchFamily="34" charset="0"/>
-              </a:endParaRPr>
-            </a:p>
-          </p:txBody>
-        </p:sp>
-        <p:sp>
-          <p:nvSpPr>
-            <p:cNvPr id="107" name="Abgerundetes Rechteck 106"/>
-            <p:cNvSpPr/>
-            <p:nvPr/>
-          </p:nvSpPr>
-          <p:spPr bwMode="auto">
-            <a:xfrm>
-              <a:off x="2215272" y="1861782"/>
-              <a:ext cx="764187" cy="555772"/>
-            </a:xfrm>
-            <a:prstGeom prst="roundRect">
-              <a:avLst/>
-            </a:prstGeom>
-            <a:ln w="38100">
-              <a:headEnd/>
-              <a:tailEnd/>
-            </a:ln>
-            <a:extLst/>
-          </p:spPr>
-          <p:style>
-            <a:lnRef idx="2">
-              <a:schemeClr val="accent1"/>
-            </a:lnRef>
-            <a:fillRef idx="1">
-              <a:schemeClr val="lt1"/>
-            </a:fillRef>
-            <a:effectRef idx="0">
-              <a:schemeClr val="accent1"/>
-            </a:effectRef>
-            <a:fontRef idx="minor">
-              <a:schemeClr val="dk1"/>
-            </a:fontRef>
-          </p:style>
-          <p:txBody>
-            <a:bodyPr wrap="none" lIns="95253" tIns="47627" rIns="95253" bIns="47627" rtlCol="0" anchor="ctr"/>
-            <a:lstStyle/>
-            <a:p>
-              <a:pPr algn="ctr"/>
-              <a:endParaRPr lang="de-DE" dirty="0">
-                <a:solidFill>
-                  <a:srgbClr val="032934"/>
-                </a:solidFill>
-                <a:latin typeface="Calibri" pitchFamily="34" charset="0"/>
-              </a:endParaRPr>
-            </a:p>
-          </p:txBody>
-        </p:sp>
-        <p:sp>
-          <p:nvSpPr>
-            <p:cNvPr id="110" name="Abgerundetes Rechteck 109"/>
-            <p:cNvSpPr/>
-            <p:nvPr/>
-          </p:nvSpPr>
-          <p:spPr bwMode="auto">
-            <a:xfrm>
-              <a:off x="2310557" y="1953152"/>
-              <a:ext cx="764187" cy="555772"/>
-            </a:xfrm>
-            <a:prstGeom prst="roundRect">
-              <a:avLst/>
-            </a:prstGeom>
-            <a:ln w="38100">
-              <a:headEnd/>
-              <a:tailEnd/>
-            </a:ln>
-            <a:extLst/>
-          </p:spPr>
-          <p:style>
-            <a:lnRef idx="2">
-              <a:schemeClr val="accent1"/>
-            </a:lnRef>
-            <a:fillRef idx="1">
-              <a:schemeClr val="lt1"/>
-            </a:fillRef>
-            <a:effectRef idx="0">
-              <a:schemeClr val="accent1"/>
-            </a:effectRef>
-            <a:fontRef idx="minor">
-              <a:schemeClr val="dk1"/>
-            </a:fontRef>
-          </p:style>
-          <p:txBody>
-            <a:bodyPr wrap="none" lIns="95253" tIns="47627" rIns="95253" bIns="47627" rtlCol="0" anchor="ctr"/>
-            <a:lstStyle/>
-            <a:p>
-              <a:pPr algn="ctr"/>
-              <a:endParaRPr lang="de-DE" dirty="0">
-                <a:solidFill>
-                  <a:srgbClr val="032934"/>
-                </a:solidFill>
-                <a:latin typeface="Calibri" pitchFamily="34" charset="0"/>
-              </a:endParaRPr>
-            </a:p>
-          </p:txBody>
-        </p:sp>
-      </p:grpSp>
+              </a:rPr>
+              <a:t>Dōgus</a:t>
+            </a:r>
+            <a:r>
+              <a:rPr lang="de-DE" dirty="0" smtClean="0">
+                <a:latin typeface="+mn-lt"/>
+                <a:cs typeface="+mn-cs"/>
+              </a:rPr>
+              <a:t> (</a:t>
+            </a:r>
+            <a:r>
+              <a:rPr lang="de-DE" dirty="0">
+                <a:latin typeface="+mn-lt"/>
+                <a:cs typeface="+mn-cs"/>
+              </a:rPr>
+              <a:t>Containers)</a:t>
+            </a:r>
+          </a:p>
+        </p:txBody>
+      </p:sp>
+      <p:sp>
+        <p:nvSpPr>
+          <p:cNvPr id="13" name="Textfeld 12"/>
+          <p:cNvSpPr txBox="1"/>
+          <p:nvPr/>
+        </p:nvSpPr>
+        <p:spPr>
+          <a:xfrm rot="16200000">
+            <a:off x="-1526558" y="6631348"/>
+            <a:ext cx="9435053" cy="1617410"/>
+          </a:xfrm>
+          <a:prstGeom prst="rect">
+            <a:avLst/>
+          </a:prstGeom>
+          <a:noFill/>
+        </p:spPr>
+        <p:txBody>
+          <a:bodyPr wrap="square" rtlCol="0">
+            <a:spAutoFit/>
+          </a:bodyPr>
+          <a:lstStyle/>
+          <a:p>
+            <a:pPr>
+              <a:buClr>
+                <a:schemeClr val="accent1"/>
+              </a:buClr>
+            </a:pPr>
+            <a:r>
+              <a:rPr lang="de-DE" sz="5100" b="1" dirty="0">
+                <a:latin typeface="+mn-lt"/>
+                <a:cs typeface="+mn-cs"/>
+              </a:rPr>
+              <a:t>Central </a:t>
+            </a:r>
+          </a:p>
+          <a:p>
+            <a:pPr>
+              <a:buClr>
+                <a:schemeClr val="accent1"/>
+              </a:buClr>
+            </a:pPr>
+            <a:r>
+              <a:rPr lang="de-DE" sz="5100" b="1" dirty="0" err="1">
+                <a:latin typeface="+mn-lt"/>
+                <a:cs typeface="+mn-cs"/>
+              </a:rPr>
+              <a:t>Configuration</a:t>
+            </a:r>
+            <a:r>
+              <a:rPr lang="de-DE" sz="5100" b="1" dirty="0">
+                <a:latin typeface="+mn-lt"/>
+                <a:cs typeface="+mn-cs"/>
+              </a:rPr>
+              <a:t> </a:t>
+            </a:r>
+          </a:p>
+        </p:txBody>
+      </p:sp>
+      <p:sp>
+        <p:nvSpPr>
+          <p:cNvPr id="59" name="Textfeld 58"/>
+          <p:cNvSpPr txBox="1"/>
+          <p:nvPr/>
+        </p:nvSpPr>
+        <p:spPr>
+          <a:xfrm>
+            <a:off x="5769763" y="3791121"/>
+            <a:ext cx="5844716" cy="858403"/>
+          </a:xfrm>
+          <a:prstGeom prst="rect">
+            <a:avLst/>
+          </a:prstGeom>
+          <a:noFill/>
+        </p:spPr>
+        <p:txBody>
+          <a:bodyPr wrap="square" rtlCol="0">
+            <a:spAutoFit/>
+          </a:bodyPr>
+          <a:lstStyle/>
+          <a:p>
+            <a:pPr>
+              <a:buClr>
+                <a:schemeClr val="accent1"/>
+              </a:buClr>
+            </a:pPr>
+            <a:r>
+              <a:rPr lang="en-US" sz="5100" b="1" dirty="0">
+                <a:latin typeface="+mn-lt"/>
+                <a:cs typeface="+mn-cs"/>
+              </a:rPr>
+              <a:t>Reverse Proxy</a:t>
+            </a:r>
+            <a:endParaRPr lang="de-DE" baseline="50000" dirty="0">
+              <a:latin typeface="+mn-lt"/>
+              <a:cs typeface="+mn-cs"/>
+            </a:endParaRPr>
+          </a:p>
+        </p:txBody>
+      </p:sp>
       <p:pic>
         <p:nvPicPr>
-          <p:cNvPr id="16" name="Grafik 15"/>
+          <p:cNvPr id="61" name="Grafik 60"/>
           <p:cNvPicPr>
             <a:picLocks noChangeAspect="1"/>
           </p:cNvPicPr>
           <p:nvPr/>
         </p:nvPicPr>
-        <p:blipFill>
-          <a:blip r:embed="rId7" cstate="print">
+        <p:blipFill rotWithShape="1">
+          <a:blip r:embed="rId4" cstate="print">
             <a:extLst>
               <a:ext uri="{28A0092B-C50C-407E-A947-70E740481C1C}">
                 <a14:useLocalDpi xmlns:a14="http://schemas.microsoft.com/office/drawing/2010/main" val="0"/>
               </a:ext>
             </a:extLst>
           </a:blip>
+          <a:srcRect t="24375" b="29010"/>
+          <a:stretch/>
+        </p:blipFill>
+        <p:spPr>
+          <a:xfrm>
+            <a:off x="10702077" y="3791121"/>
+            <a:ext cx="2009908" cy="780764"/>
+          </a:xfrm>
+          <a:prstGeom prst="rect">
+            <a:avLst/>
+          </a:prstGeom>
+        </p:spPr>
+      </p:pic>
+      <p:pic>
+        <p:nvPicPr>
+          <p:cNvPr id="64" name="Picture 3" descr="V:\Marketing\5 Produkte\5.2 Cloudogu\03_Website\Referenzen\Docker\docker.png"/>
+          <p:cNvPicPr>
+            <a:picLocks noChangeAspect="1" noChangeArrowheads="1"/>
+          </p:cNvPicPr>
+          <p:nvPr/>
+        </p:nvPicPr>
+        <p:blipFill rotWithShape="1">
+          <a:blip r:embed="rId5" cstate="email">
+            <a:duotone>
+              <a:prstClr val="black"/>
+              <a:schemeClr val="tx2">
+                <a:tint val="45000"/>
+                <a:satMod val="400000"/>
+              </a:schemeClr>
+            </a:duotone>
+            <a:extLst>
+              <a:ext uri="{28A0092B-C50C-407E-A947-70E740481C1C}">
+                <a14:useLocalDpi xmlns:a14="http://schemas.microsoft.com/office/drawing/2010/main"/>
+              </a:ext>
+            </a:extLst>
+          </a:blip>
+          <a:srcRect l="10442" t="7638" r="7387" b="14310"/>
+          <a:stretch/>
+        </p:blipFill>
+        <p:spPr bwMode="auto">
+          <a:xfrm>
+            <a:off x="10043754" y="10321072"/>
+            <a:ext cx="2668231" cy="2250754"/>
+          </a:xfrm>
+          <a:prstGeom prst="rect">
+            <a:avLst/>
+          </a:prstGeom>
+          <a:noFill/>
+          <a:extLst>
+            <a:ext uri="{909E8E84-426E-40DD-AFC4-6F175D3DCCD1}">
+              <a14:hiddenFill xmlns:a14="http://schemas.microsoft.com/office/drawing/2010/main">
+                <a:solidFill>
+                  <a:srgbClr val="FFFFFF"/>
+                </a:solidFill>
+              </a14:hiddenFill>
+            </a:ext>
+          </a:extLst>
+        </p:spPr>
+      </p:pic>
+      <p:pic>
+        <p:nvPicPr>
+          <p:cNvPr id="65" name="Picture 4" descr="V:\Marketing\5 Produkte\5.2 Cloudogu\03_Website\Referenzen\ubuntu\logo-ubuntu_st_no®-orange-hex.png"/>
+          <p:cNvPicPr>
+            <a:picLocks noChangeAspect="1" noChangeArrowheads="1"/>
+          </p:cNvPicPr>
+          <p:nvPr/>
+        </p:nvPicPr>
+        <p:blipFill rotWithShape="1">
+          <a:blip r:embed="rId6">
+            <a:duotone>
+              <a:prstClr val="black"/>
+              <a:schemeClr val="tx2">
+                <a:tint val="45000"/>
+                <a:satMod val="400000"/>
+              </a:schemeClr>
+            </a:duotone>
+            <a:extLst>
+              <a:ext uri="{28A0092B-C50C-407E-A947-70E740481C1C}">
+                <a14:useLocalDpi xmlns:a14="http://schemas.microsoft.com/office/drawing/2010/main"/>
+              </a:ext>
+            </a:extLst>
+          </a:blip>
+          <a:srcRect l="17514" t="11369" r="21542" b="19845"/>
+          <a:stretch/>
+        </p:blipFill>
+        <p:spPr bwMode="auto">
+          <a:xfrm>
+            <a:off x="10170511" y="13493276"/>
+            <a:ext cx="2541474" cy="2018703"/>
+          </a:xfrm>
+          <a:prstGeom prst="rect">
+            <a:avLst/>
+          </a:prstGeom>
+          <a:noFill/>
+          <a:extLst>
+            <a:ext uri="{909E8E84-426E-40DD-AFC4-6F175D3DCCD1}">
+              <a14:hiddenFill xmlns:a14="http://schemas.microsoft.com/office/drawing/2010/main">
+                <a:solidFill>
+                  <a:srgbClr val="FFFFFF"/>
+                </a:solidFill>
+              </a14:hiddenFill>
+            </a:ext>
+          </a:extLst>
+        </p:spPr>
+      </p:pic>
+      <p:pic>
+        <p:nvPicPr>
+          <p:cNvPr id="71" name="Picture 8" descr="V:\Marketing\5 Produkte\5.2 Cloudogu\03_Website\Referenzen\etcd-logo\etcd-logo.png"/>
+          <p:cNvPicPr>
+            <a:picLocks noChangeAspect="1" noChangeArrowheads="1"/>
+          </p:cNvPicPr>
+          <p:nvPr/>
+        </p:nvPicPr>
+        <p:blipFill>
+          <a:blip r:embed="rId7" cstate="print">
+            <a:grayscl/>
+            <a:extLst>
+              <a:ext uri="{28A0092B-C50C-407E-A947-70E740481C1C}">
+                <a14:useLocalDpi xmlns:a14="http://schemas.microsoft.com/office/drawing/2010/main" val="0"/>
+              </a:ext>
+            </a:extLst>
+          </a:blip>
+          <a:srcRect/>
           <a:stretch>
             <a:fillRect/>
           </a:stretch>
         </p:blipFill>
-        <p:spPr>
-          <a:xfrm>
-            <a:off x="27766407" y="-55046"/>
-            <a:ext cx="2389273" cy="1457267"/>
+        <p:spPr bwMode="auto">
+          <a:xfrm rot="16200000">
+            <a:off x="2357752" y="4523993"/>
+            <a:ext cx="1855557" cy="1003097"/>
           </a:xfrm>
           <a:prstGeom prst="rect">
             <a:avLst/>
           </a:prstGeom>
+          <a:noFill/>
+          <a:extLst>
+            <a:ext uri="{909E8E84-426E-40DD-AFC4-6F175D3DCCD1}">
+              <a14:hiddenFill xmlns:a14="http://schemas.microsoft.com/office/drawing/2010/main">
+                <a:solidFill>
+                  <a:srgbClr val="FFFFFF"/>
+                </a:solidFill>
+              </a14:hiddenFill>
+            </a:ext>
+          </a:extLst>
         </p:spPr>
       </p:pic>
       <p:sp>
         <p:nvSpPr>
-          <p:cNvPr id="2" name="Textfeld 1"/>
+          <p:cNvPr id="91" name="Textfeld 90"/>
           <p:cNvSpPr txBox="1"/>
           <p:nvPr/>
         </p:nvSpPr>
         <p:spPr>
           <a:xfrm>
-            <a:off x="9093377" y="6282969"/>
-            <a:ext cx="7272808" cy="1338828"/>
+            <a:off x="13667683" y="13531726"/>
+            <a:ext cx="573687" cy="768043"/>
           </a:xfrm>
           <a:prstGeom prst="rect">
             <a:avLst/>
           </a:prstGeom>
           <a:noFill/>
+          <a:ln>
+            <a:noFill/>
+          </a:ln>
         </p:spPr>
         <p:txBody>
           <a:bodyPr wrap="square" rtlCol="0">
@@ -3043,87 +2312,485 @@
           <a:lstStyle/>
           <a:p>
             <a:r>
-              <a:rPr lang="de-DE" sz="2800" dirty="0" err="1">
+              <a:rPr lang="de-DE" sz="4500" dirty="0">
                 <a:solidFill>
-                  <a:srgbClr val="032934"/>
+                  <a:schemeClr val="bg1"/>
                 </a:solidFill>
-                <a:latin typeface="Calibri" pitchFamily="34" charset="0"/>
-              </a:rPr>
-              <a:t>Latest</a:t>
-            </a:r>
-            <a:r>
-              <a:rPr lang="de-DE" sz="2800" dirty="0">
-                <a:solidFill>
-                  <a:srgbClr val="032934"/>
-                </a:solidFill>
-                <a:latin typeface="Calibri" pitchFamily="34" charset="0"/>
-              </a:rPr>
-              <a:t> </a:t>
-            </a:r>
-          </a:p>
-          <a:p>
-            <a:r>
-              <a:rPr lang="de-DE" sz="2800" dirty="0" err="1">
-                <a:solidFill>
-                  <a:srgbClr val="032934"/>
-                </a:solidFill>
-                <a:latin typeface="Calibri" pitchFamily="34" charset="0"/>
-              </a:rPr>
-              <a:t>from</a:t>
-            </a:r>
-            <a:r>
-              <a:rPr lang="de-DE" sz="2800" dirty="0">
-                <a:solidFill>
-                  <a:srgbClr val="032934"/>
-                </a:solidFill>
-                <a:latin typeface="Calibri" pitchFamily="34" charset="0"/>
-              </a:rPr>
-              <a:t> </a:t>
-            </a:r>
-            <a:r>
-              <a:rPr lang="de-DE" sz="2800" dirty="0" err="1">
-                <a:solidFill>
-                  <a:srgbClr val="032934"/>
-                </a:solidFill>
-                <a:latin typeface="Calibri" pitchFamily="34" charset="0"/>
-              </a:rPr>
-              <a:t>Cloudogu</a:t>
-            </a:r>
-            <a:r>
-              <a:rPr lang="de-DE" sz="2800" dirty="0">
-                <a:solidFill>
-                  <a:srgbClr val="032934"/>
-                </a:solidFill>
-                <a:latin typeface="Calibri" pitchFamily="34" charset="0"/>
-              </a:rPr>
-              <a:t> Registry</a:t>
-            </a:r>
-          </a:p>
-          <a:p>
-            <a:pPr marL="539750" indent="-539750">
-              <a:buFontTx/>
-              <a:buBlip>
-                <a:blip r:embed="rId8"/>
-              </a:buBlip>
-            </a:pPr>
-            <a:endParaRPr lang="de-DE" sz="2500" dirty="0" smtClean="0">
-              <a:solidFill>
-                <a:srgbClr val="032934"/>
-              </a:solidFill>
-            </a:endParaRPr>
+                <a:latin typeface="+mn-lt"/>
+              </a:rPr>
+              <a:t>2</a:t>
+            </a:r>
           </a:p>
         </p:txBody>
       </p:sp>
       <p:sp>
         <p:nvSpPr>
-          <p:cNvPr id="76" name="Textfeld 75"/>
+          <p:cNvPr id="93" name="Freeform 114"/>
+          <p:cNvSpPr>
+            <a:spLocks noEditPoints="1"/>
+          </p:cNvSpPr>
+          <p:nvPr/>
+        </p:nvSpPr>
+        <p:spPr bwMode="auto">
+          <a:xfrm>
+            <a:off x="5558954" y="2567829"/>
+            <a:ext cx="599007" cy="593715"/>
+          </a:xfrm>
+          <a:custGeom>
+            <a:avLst/>
+            <a:gdLst>
+              <a:gd name="T0" fmla="*/ 137 w 196"/>
+              <a:gd name="T1" fmla="*/ 0 h 195"/>
+              <a:gd name="T2" fmla="*/ 98 w 196"/>
+              <a:gd name="T3" fmla="*/ 17 h 195"/>
+              <a:gd name="T4" fmla="*/ 81 w 196"/>
+              <a:gd name="T5" fmla="*/ 58 h 195"/>
+              <a:gd name="T6" fmla="*/ 78 w 196"/>
+              <a:gd name="T7" fmla="*/ 76 h 195"/>
+              <a:gd name="T8" fmla="*/ 119 w 196"/>
+              <a:gd name="T9" fmla="*/ 117 h 195"/>
+              <a:gd name="T10" fmla="*/ 137 w 196"/>
+              <a:gd name="T11" fmla="*/ 114 h 195"/>
+              <a:gd name="T12" fmla="*/ 178 w 196"/>
+              <a:gd name="T13" fmla="*/ 98 h 195"/>
+              <a:gd name="T14" fmla="*/ 194 w 196"/>
+              <a:gd name="T15" fmla="*/ 51 h 195"/>
+              <a:gd name="T16" fmla="*/ 183 w 196"/>
+              <a:gd name="T17" fmla="*/ 43 h 195"/>
+              <a:gd name="T18" fmla="*/ 157 w 196"/>
+              <a:gd name="T19" fmla="*/ 69 h 195"/>
+              <a:gd name="T20" fmla="*/ 144 w 196"/>
+              <a:gd name="T21" fmla="*/ 69 h 195"/>
+              <a:gd name="T22" fmla="*/ 127 w 196"/>
+              <a:gd name="T23" fmla="*/ 52 h 195"/>
+              <a:gd name="T24" fmla="*/ 127 w 196"/>
+              <a:gd name="T25" fmla="*/ 39 h 195"/>
+              <a:gd name="T26" fmla="*/ 153 w 196"/>
+              <a:gd name="T27" fmla="*/ 13 h 195"/>
+              <a:gd name="T28" fmla="*/ 153 w 196"/>
+              <a:gd name="T29" fmla="*/ 5 h 195"/>
+              <a:gd name="T30" fmla="*/ 143 w 196"/>
+              <a:gd name="T31" fmla="*/ 0 h 195"/>
+              <a:gd name="T32" fmla="*/ 137 w 196"/>
+              <a:gd name="T33" fmla="*/ 0 h 195"/>
+              <a:gd name="T34" fmla="*/ 72 w 196"/>
+              <a:gd name="T35" fmla="*/ 83 h 195"/>
+              <a:gd name="T36" fmla="*/ 29 w 196"/>
+              <a:gd name="T37" fmla="*/ 126 h 195"/>
+              <a:gd name="T38" fmla="*/ 27 w 196"/>
+              <a:gd name="T39" fmla="*/ 128 h 195"/>
+              <a:gd name="T40" fmla="*/ 12 w 196"/>
+              <a:gd name="T41" fmla="*/ 143 h 195"/>
+              <a:gd name="T42" fmla="*/ 11 w 196"/>
+              <a:gd name="T43" fmla="*/ 144 h 195"/>
+              <a:gd name="T44" fmla="*/ 11 w 196"/>
+              <a:gd name="T45" fmla="*/ 183 h 195"/>
+              <a:gd name="T46" fmla="*/ 12 w 196"/>
+              <a:gd name="T47" fmla="*/ 184 h 195"/>
+              <a:gd name="T48" fmla="*/ 51 w 196"/>
+              <a:gd name="T49" fmla="*/ 184 h 195"/>
+              <a:gd name="T50" fmla="*/ 52 w 196"/>
+              <a:gd name="T51" fmla="*/ 183 h 195"/>
+              <a:gd name="T52" fmla="*/ 67 w 196"/>
+              <a:gd name="T53" fmla="*/ 168 h 195"/>
+              <a:gd name="T54" fmla="*/ 69 w 196"/>
+              <a:gd name="T55" fmla="*/ 166 h 195"/>
+              <a:gd name="T56" fmla="*/ 112 w 196"/>
+              <a:gd name="T57" fmla="*/ 124 h 195"/>
+              <a:gd name="T58" fmla="*/ 72 w 196"/>
+              <a:gd name="T59" fmla="*/ 83 h 195"/>
+              <a:gd name="T60" fmla="*/ 31 w 196"/>
+              <a:gd name="T61" fmla="*/ 151 h 195"/>
+              <a:gd name="T62" fmla="*/ 43 w 196"/>
+              <a:gd name="T63" fmla="*/ 164 h 195"/>
+              <a:gd name="T64" fmla="*/ 31 w 196"/>
+              <a:gd name="T65" fmla="*/ 176 h 195"/>
+              <a:gd name="T66" fmla="*/ 19 w 196"/>
+              <a:gd name="T67" fmla="*/ 164 h 195"/>
+              <a:gd name="T68" fmla="*/ 31 w 196"/>
+              <a:gd name="T69" fmla="*/ 151 h 195"/>
+            </a:gdLst>
+            <a:ahLst/>
+            <a:cxnLst>
+              <a:cxn ang="0">
+                <a:pos x="T0" y="T1"/>
+              </a:cxn>
+              <a:cxn ang="0">
+                <a:pos x="T2" y="T3"/>
+              </a:cxn>
+              <a:cxn ang="0">
+                <a:pos x="T4" y="T5"/>
+              </a:cxn>
+              <a:cxn ang="0">
+                <a:pos x="T6" y="T7"/>
+              </a:cxn>
+              <a:cxn ang="0">
+                <a:pos x="T8" y="T9"/>
+              </a:cxn>
+              <a:cxn ang="0">
+                <a:pos x="T10" y="T11"/>
+              </a:cxn>
+              <a:cxn ang="0">
+                <a:pos x="T12" y="T13"/>
+              </a:cxn>
+              <a:cxn ang="0">
+                <a:pos x="T14" y="T15"/>
+              </a:cxn>
+              <a:cxn ang="0">
+                <a:pos x="T16" y="T17"/>
+              </a:cxn>
+              <a:cxn ang="0">
+                <a:pos x="T18" y="T19"/>
+              </a:cxn>
+              <a:cxn ang="0">
+                <a:pos x="T20" y="T21"/>
+              </a:cxn>
+              <a:cxn ang="0">
+                <a:pos x="T22" y="T23"/>
+              </a:cxn>
+              <a:cxn ang="0">
+                <a:pos x="T24" y="T25"/>
+              </a:cxn>
+              <a:cxn ang="0">
+                <a:pos x="T26" y="T27"/>
+              </a:cxn>
+              <a:cxn ang="0">
+                <a:pos x="T28" y="T29"/>
+              </a:cxn>
+              <a:cxn ang="0">
+                <a:pos x="T30" y="T31"/>
+              </a:cxn>
+              <a:cxn ang="0">
+                <a:pos x="T32" y="T33"/>
+              </a:cxn>
+              <a:cxn ang="0">
+                <a:pos x="T34" y="T35"/>
+              </a:cxn>
+              <a:cxn ang="0">
+                <a:pos x="T36" y="T37"/>
+              </a:cxn>
+              <a:cxn ang="0">
+                <a:pos x="T38" y="T39"/>
+              </a:cxn>
+              <a:cxn ang="0">
+                <a:pos x="T40" y="T41"/>
+              </a:cxn>
+              <a:cxn ang="0">
+                <a:pos x="T42" y="T43"/>
+              </a:cxn>
+              <a:cxn ang="0">
+                <a:pos x="T44" y="T45"/>
+              </a:cxn>
+              <a:cxn ang="0">
+                <a:pos x="T46" y="T47"/>
+              </a:cxn>
+              <a:cxn ang="0">
+                <a:pos x="T48" y="T49"/>
+              </a:cxn>
+              <a:cxn ang="0">
+                <a:pos x="T50" y="T51"/>
+              </a:cxn>
+              <a:cxn ang="0">
+                <a:pos x="T52" y="T53"/>
+              </a:cxn>
+              <a:cxn ang="0">
+                <a:pos x="T54" y="T55"/>
+              </a:cxn>
+              <a:cxn ang="0">
+                <a:pos x="T56" y="T57"/>
+              </a:cxn>
+              <a:cxn ang="0">
+                <a:pos x="T58" y="T59"/>
+              </a:cxn>
+              <a:cxn ang="0">
+                <a:pos x="T60" y="T61"/>
+              </a:cxn>
+              <a:cxn ang="0">
+                <a:pos x="T62" y="T63"/>
+              </a:cxn>
+              <a:cxn ang="0">
+                <a:pos x="T64" y="T65"/>
+              </a:cxn>
+              <a:cxn ang="0">
+                <a:pos x="T66" y="T67"/>
+              </a:cxn>
+              <a:cxn ang="0">
+                <a:pos x="T68" y="T69"/>
+              </a:cxn>
+            </a:cxnLst>
+            <a:rect l="0" t="0" r="r" b="b"/>
+            <a:pathLst>
+              <a:path w="196" h="195">
+                <a:moveTo>
+                  <a:pt x="137" y="0"/>
+                </a:moveTo>
+                <a:cubicBezTo>
+                  <a:pt x="123" y="0"/>
+                  <a:pt x="108" y="6"/>
+                  <a:pt x="98" y="17"/>
+                </a:cubicBezTo>
+                <a:cubicBezTo>
+                  <a:pt x="86" y="28"/>
+                  <a:pt x="81" y="43"/>
+                  <a:pt x="81" y="58"/>
+                </a:cubicBezTo>
+                <a:cubicBezTo>
+                  <a:pt x="81" y="66"/>
+                  <a:pt x="80" y="71"/>
+                  <a:pt x="78" y="76"/>
+                </a:cubicBezTo>
+                <a:cubicBezTo>
+                  <a:pt x="119" y="117"/>
+                  <a:pt x="119" y="117"/>
+                  <a:pt x="119" y="117"/>
+                </a:cubicBezTo>
+                <a:cubicBezTo>
+                  <a:pt x="124" y="115"/>
+                  <a:pt x="130" y="114"/>
+                  <a:pt x="137" y="114"/>
+                </a:cubicBezTo>
+                <a:cubicBezTo>
+                  <a:pt x="152" y="114"/>
+                  <a:pt x="166" y="109"/>
+                  <a:pt x="178" y="98"/>
+                </a:cubicBezTo>
+                <a:cubicBezTo>
+                  <a:pt x="190" y="85"/>
+                  <a:pt x="196" y="68"/>
+                  <a:pt x="194" y="51"/>
+                </a:cubicBezTo>
+                <a:cubicBezTo>
+                  <a:pt x="194" y="45"/>
+                  <a:pt x="188" y="37"/>
+                  <a:pt x="183" y="43"/>
+                </a:cubicBezTo>
+                <a:cubicBezTo>
+                  <a:pt x="157" y="69"/>
+                  <a:pt x="157" y="69"/>
+                  <a:pt x="157" y="69"/>
+                </a:cubicBezTo>
+                <a:cubicBezTo>
+                  <a:pt x="153" y="73"/>
+                  <a:pt x="148" y="73"/>
+                  <a:pt x="144" y="69"/>
+                </a:cubicBezTo>
+                <a:cubicBezTo>
+                  <a:pt x="127" y="52"/>
+                  <a:pt x="127" y="52"/>
+                  <a:pt x="127" y="52"/>
+                </a:cubicBezTo>
+                <a:cubicBezTo>
+                  <a:pt x="123" y="49"/>
+                  <a:pt x="123" y="42"/>
+                  <a:pt x="127" y="39"/>
+                </a:cubicBezTo>
+                <a:cubicBezTo>
+                  <a:pt x="153" y="13"/>
+                  <a:pt x="153" y="13"/>
+                  <a:pt x="153" y="13"/>
+                </a:cubicBezTo>
+                <a:cubicBezTo>
+                  <a:pt x="156" y="10"/>
+                  <a:pt x="155" y="7"/>
+                  <a:pt x="153" y="5"/>
+                </a:cubicBezTo>
+                <a:cubicBezTo>
+                  <a:pt x="151" y="2"/>
+                  <a:pt x="147" y="1"/>
+                  <a:pt x="143" y="0"/>
+                </a:cubicBezTo>
+                <a:cubicBezTo>
+                  <a:pt x="141" y="0"/>
+                  <a:pt x="139" y="0"/>
+                  <a:pt x="137" y="0"/>
+                </a:cubicBezTo>
+                <a:close/>
+                <a:moveTo>
+                  <a:pt x="72" y="83"/>
+                </a:moveTo>
+                <a:cubicBezTo>
+                  <a:pt x="29" y="126"/>
+                  <a:pt x="29" y="126"/>
+                  <a:pt x="29" y="126"/>
+                </a:cubicBezTo>
+                <a:cubicBezTo>
+                  <a:pt x="28" y="127"/>
+                  <a:pt x="27" y="128"/>
+                  <a:pt x="27" y="128"/>
+                </a:cubicBezTo>
+                <a:cubicBezTo>
+                  <a:pt x="12" y="143"/>
+                  <a:pt x="12" y="143"/>
+                  <a:pt x="12" y="143"/>
+                </a:cubicBezTo>
+                <a:cubicBezTo>
+                  <a:pt x="11" y="144"/>
+                  <a:pt x="11" y="144"/>
+                  <a:pt x="11" y="144"/>
+                </a:cubicBezTo>
+                <a:cubicBezTo>
+                  <a:pt x="0" y="155"/>
+                  <a:pt x="0" y="173"/>
+                  <a:pt x="11" y="183"/>
+                </a:cubicBezTo>
+                <a:cubicBezTo>
+                  <a:pt x="12" y="184"/>
+                  <a:pt x="12" y="184"/>
+                  <a:pt x="12" y="184"/>
+                </a:cubicBezTo>
+                <a:cubicBezTo>
+                  <a:pt x="22" y="195"/>
+                  <a:pt x="40" y="195"/>
+                  <a:pt x="51" y="184"/>
+                </a:cubicBezTo>
+                <a:cubicBezTo>
+                  <a:pt x="52" y="183"/>
+                  <a:pt x="52" y="183"/>
+                  <a:pt x="52" y="183"/>
+                </a:cubicBezTo>
+                <a:cubicBezTo>
+                  <a:pt x="67" y="168"/>
+                  <a:pt x="67" y="168"/>
+                  <a:pt x="67" y="168"/>
+                </a:cubicBezTo>
+                <a:cubicBezTo>
+                  <a:pt x="68" y="168"/>
+                  <a:pt x="68" y="167"/>
+                  <a:pt x="69" y="166"/>
+                </a:cubicBezTo>
+                <a:cubicBezTo>
+                  <a:pt x="112" y="124"/>
+                  <a:pt x="112" y="124"/>
+                  <a:pt x="112" y="124"/>
+                </a:cubicBezTo>
+                <a:cubicBezTo>
+                  <a:pt x="72" y="83"/>
+                  <a:pt x="72" y="83"/>
+                  <a:pt x="72" y="83"/>
+                </a:cubicBezTo>
+                <a:close/>
+                <a:moveTo>
+                  <a:pt x="31" y="151"/>
+                </a:moveTo>
+                <a:cubicBezTo>
+                  <a:pt x="38" y="151"/>
+                  <a:pt x="43" y="157"/>
+                  <a:pt x="43" y="164"/>
+                </a:cubicBezTo>
+                <a:cubicBezTo>
+                  <a:pt x="43" y="170"/>
+                  <a:pt x="38" y="176"/>
+                  <a:pt x="31" y="176"/>
+                </a:cubicBezTo>
+                <a:cubicBezTo>
+                  <a:pt x="24" y="176"/>
+                  <a:pt x="19" y="170"/>
+                  <a:pt x="19" y="164"/>
+                </a:cubicBezTo>
+                <a:cubicBezTo>
+                  <a:pt x="19" y="157"/>
+                  <a:pt x="24" y="151"/>
+                  <a:pt x="31" y="151"/>
+                </a:cubicBezTo>
+                <a:close/>
+              </a:path>
+            </a:pathLst>
+          </a:custGeom>
+          <a:solidFill>
+            <a:schemeClr val="bg1">
+              <a:lumMod val="50000"/>
+            </a:schemeClr>
+          </a:solidFill>
+          <a:ln>
+            <a:noFill/>
+          </a:ln>
+          <a:extLst/>
+        </p:spPr>
+        <p:txBody>
+          <a:bodyPr vert="horz" wrap="square" lIns="91440" tIns="45720" rIns="91440" bIns="45720" numCol="1" anchor="t" anchorCtr="0" compatLnSpc="1">
+            <a:prstTxWarp prst="textNoShape">
+              <a:avLst/>
+            </a:prstTxWarp>
+          </a:bodyPr>
+          <a:lstStyle/>
+          <a:p>
+            <a:endParaRPr lang="de-DE"/>
+          </a:p>
+        </p:txBody>
+      </p:sp>
+      <p:sp>
+        <p:nvSpPr>
+          <p:cNvPr id="86" name="Abgerundetes Rechteck 85"/>
+          <p:cNvSpPr/>
+          <p:nvPr/>
+        </p:nvSpPr>
+        <p:spPr bwMode="auto">
+          <a:xfrm>
+            <a:off x="1961567" y="16247879"/>
+            <a:ext cx="11691380" cy="2627589"/>
+          </a:xfrm>
+          <a:prstGeom prst="roundRect">
+            <a:avLst/>
+          </a:prstGeom>
+          <a:solidFill>
+            <a:schemeClr val="bg1"/>
+          </a:solidFill>
+          <a:ln w="38100">
+            <a:solidFill>
+              <a:srgbClr val="E6BA00"/>
+            </a:solidFill>
+          </a:ln>
+          <a:extLst/>
+        </p:spPr>
+        <p:style>
+          <a:lnRef idx="0">
+            <a:scrgbClr r="0" g="0" b="0"/>
+          </a:lnRef>
+          <a:fillRef idx="1">
+            <a:scrgbClr r="0" g="0" b="0"/>
+          </a:fillRef>
+          <a:effectRef idx="2">
+            <a:schemeClr val="accent1">
+              <a:tint val="40000"/>
+              <a:hueOff val="0"/>
+              <a:satOff val="0"/>
+              <a:lumOff val="0"/>
+              <a:alphaOff val="0"/>
+            </a:schemeClr>
+          </a:effectRef>
+          <a:fontRef idx="minor">
+            <a:schemeClr val="dk1">
+              <a:hueOff val="0"/>
+              <a:satOff val="0"/>
+              <a:lumOff val="0"/>
+              <a:alphaOff val="0"/>
+            </a:schemeClr>
+          </a:fontRef>
+        </p:style>
+        <p:txBody>
+          <a:bodyPr wrap="none" lIns="95253" tIns="47627" rIns="95253" bIns="47627" rtlCol="0" anchor="ctr"/>
+          <a:lstStyle/>
+          <a:p>
+            <a:pPr algn="ctr"/>
+            <a:endParaRPr lang="de-DE" dirty="0">
+              <a:solidFill>
+                <a:srgbClr val="032934"/>
+              </a:solidFill>
+              <a:latin typeface="Calibri" pitchFamily="34" charset="0"/>
+            </a:endParaRPr>
+          </a:p>
+        </p:txBody>
+      </p:sp>
+      <p:sp>
+        <p:nvSpPr>
+          <p:cNvPr id="142" name="Textfeld 141"/>
           <p:cNvSpPr txBox="1"/>
           <p:nvPr/>
         </p:nvSpPr>
         <p:spPr>
           <a:xfrm>
-            <a:off x="14162980" y="17619904"/>
-            <a:ext cx="3788370" cy="1769715"/>
+            <a:off x="5273012" y="16798515"/>
+            <a:ext cx="7438973" cy="1308050"/>
           </a:xfrm>
           <a:prstGeom prst="rect">
             <a:avLst/>
@@ -3136,294 +2803,786 @@
           </a:bodyPr>
           <a:lstStyle/>
           <a:p>
-            <a:r>
-              <a:rPr lang="de-DE" sz="2800" dirty="0" err="1" smtClean="0">
+            <a:pPr algn="r">
+              <a:buClr>
+                <a:schemeClr val="accent1"/>
+              </a:buClr>
+            </a:pPr>
+            <a:r>
+              <a:rPr lang="de-DE" b="1" dirty="0" smtClean="0">
+                <a:latin typeface="+mn-lt"/>
+                <a:cs typeface="+mn-cs"/>
+              </a:rPr>
+              <a:t>Virtual</a:t>
+            </a:r>
+            <a:r>
+              <a:rPr lang="de-DE" sz="7900" b="1" dirty="0">
+                <a:latin typeface="+mn-lt"/>
+                <a:cs typeface="+mn-cs"/>
+              </a:rPr>
+              <a:t> </a:t>
+            </a:r>
+            <a:r>
+              <a:rPr lang="de-DE" b="1" dirty="0" smtClean="0">
+                <a:latin typeface="+mn-lt"/>
+                <a:cs typeface="+mn-cs"/>
+              </a:rPr>
+              <a:t>Box+ </a:t>
+            </a:r>
+            <a:r>
+              <a:rPr lang="de-DE" b="1" dirty="0" err="1" smtClean="0">
+                <a:latin typeface="+mn-lt"/>
+                <a:cs typeface="+mn-cs"/>
+              </a:rPr>
+              <a:t>Vagrant</a:t>
+            </a:r>
+            <a:endParaRPr lang="de-DE" sz="8800" dirty="0">
+              <a:latin typeface="+mn-lt"/>
+              <a:cs typeface="+mn-cs"/>
+            </a:endParaRPr>
+          </a:p>
+        </p:txBody>
+      </p:sp>
+      <p:sp>
+        <p:nvSpPr>
+          <p:cNvPr id="96" name="Textfeld 95"/>
+          <p:cNvSpPr txBox="1"/>
+          <p:nvPr/>
+        </p:nvSpPr>
+        <p:spPr>
+          <a:xfrm>
+            <a:off x="3455825" y="6899308"/>
+            <a:ext cx="573687" cy="768043"/>
+          </a:xfrm>
+          <a:prstGeom prst="rect">
+            <a:avLst/>
+          </a:prstGeom>
+          <a:noFill/>
+          <a:ln w="28575">
+            <a:noFill/>
+          </a:ln>
+        </p:spPr>
+        <p:txBody>
+          <a:bodyPr wrap="square" rtlCol="0">
+            <a:spAutoFit/>
+          </a:bodyPr>
+          <a:lstStyle/>
+          <a:p>
+            <a:r>
+              <a:rPr lang="de-DE" sz="4500" dirty="0">
                 <a:solidFill>
-                  <a:srgbClr val="032934"/>
+                  <a:schemeClr val="bg1"/>
                 </a:solidFill>
-                <a:latin typeface="Calibri" pitchFamily="34" charset="0"/>
-              </a:rPr>
-              <a:t>From</a:t>
-            </a:r>
-            <a:r>
-              <a:rPr lang="de-DE" sz="2800" dirty="0" smtClean="0">
-                <a:solidFill>
-                  <a:srgbClr val="032934"/>
-                </a:solidFill>
-                <a:latin typeface="Calibri" pitchFamily="34" charset="0"/>
-              </a:rPr>
-              <a:t> </a:t>
-            </a:r>
-            <a:r>
-              <a:rPr lang="de-DE" sz="2800" dirty="0" err="1" smtClean="0">
-                <a:solidFill>
-                  <a:srgbClr val="032934"/>
-                </a:solidFill>
-                <a:latin typeface="Calibri" pitchFamily="34" charset="0"/>
-              </a:rPr>
-              <a:t>github</a:t>
-            </a:r>
-            <a:r>
-              <a:rPr lang="de-DE" sz="2800" dirty="0" smtClean="0">
-                <a:solidFill>
-                  <a:srgbClr val="032934"/>
-                </a:solidFill>
-                <a:latin typeface="Calibri" pitchFamily="34" charset="0"/>
-              </a:rPr>
-              <a:t> – </a:t>
-            </a:r>
-            <a:r>
-              <a:rPr lang="de-DE" sz="2800" dirty="0" err="1" smtClean="0">
-                <a:solidFill>
-                  <a:srgbClr val="032934"/>
-                </a:solidFill>
-                <a:latin typeface="Calibri" pitchFamily="34" charset="0"/>
-              </a:rPr>
-              <a:t>for</a:t>
-            </a:r>
-            <a:r>
-              <a:rPr lang="de-DE" sz="2800" dirty="0" smtClean="0">
-                <a:solidFill>
-                  <a:srgbClr val="032934"/>
-                </a:solidFill>
-                <a:latin typeface="Calibri" pitchFamily="34" charset="0"/>
-              </a:rPr>
-              <a:t> </a:t>
-            </a:r>
-            <a:r>
-              <a:rPr lang="de-DE" sz="2800" dirty="0" err="1" smtClean="0">
-                <a:solidFill>
-                  <a:srgbClr val="032934"/>
-                </a:solidFill>
-                <a:latin typeface="Calibri" pitchFamily="34" charset="0"/>
-              </a:rPr>
-              <a:t>each</a:t>
-            </a:r>
-            <a:r>
-              <a:rPr lang="de-DE" sz="2800" dirty="0" smtClean="0">
-                <a:solidFill>
-                  <a:srgbClr val="032934"/>
-                </a:solidFill>
-                <a:latin typeface="Calibri" pitchFamily="34" charset="0"/>
-              </a:rPr>
-              <a:t> </a:t>
-            </a:r>
-            <a:r>
-              <a:rPr lang="de-DE" sz="2800" dirty="0" err="1" smtClean="0">
-                <a:solidFill>
-                  <a:srgbClr val="032934"/>
-                </a:solidFill>
-                <a:latin typeface="Calibri" pitchFamily="34" charset="0"/>
-              </a:rPr>
-              <a:t>branch</a:t>
-            </a:r>
-            <a:r>
-              <a:rPr lang="de-DE" sz="2800" dirty="0" smtClean="0">
-                <a:solidFill>
-                  <a:srgbClr val="032934"/>
-                </a:solidFill>
-                <a:latin typeface="Calibri" pitchFamily="34" charset="0"/>
-              </a:rPr>
-              <a:t> </a:t>
-            </a:r>
-            <a:r>
-              <a:rPr lang="de-DE" sz="2800" dirty="0" err="1" smtClean="0">
-                <a:solidFill>
-                  <a:srgbClr val="032934"/>
-                </a:solidFill>
-                <a:latin typeface="Calibri" pitchFamily="34" charset="0"/>
-              </a:rPr>
-              <a:t>of</a:t>
-            </a:r>
-            <a:r>
-              <a:rPr lang="de-DE" sz="2800" dirty="0" smtClean="0">
-                <a:solidFill>
-                  <a:srgbClr val="032934"/>
-                </a:solidFill>
-                <a:latin typeface="Calibri" pitchFamily="34" charset="0"/>
-              </a:rPr>
-              <a:t> </a:t>
-            </a:r>
-            <a:r>
-              <a:rPr lang="de-DE" sz="2800" dirty="0" err="1" smtClean="0">
-                <a:solidFill>
-                  <a:srgbClr val="032934"/>
-                </a:solidFill>
-                <a:latin typeface="Calibri" pitchFamily="34" charset="0"/>
-              </a:rPr>
-              <a:t>cloudogu</a:t>
-            </a:r>
-            <a:r>
-              <a:rPr lang="de-DE" sz="2800" dirty="0" smtClean="0">
-                <a:solidFill>
-                  <a:srgbClr val="032934"/>
-                </a:solidFill>
-                <a:latin typeface="Calibri" pitchFamily="34" charset="0"/>
-              </a:rPr>
-              <a:t>/</a:t>
-            </a:r>
-            <a:r>
-              <a:rPr lang="de-DE" sz="2800" dirty="0" err="1" smtClean="0">
-                <a:solidFill>
-                  <a:srgbClr val="032934"/>
-                </a:solidFill>
-                <a:latin typeface="Calibri" pitchFamily="34" charset="0"/>
-              </a:rPr>
-              <a:t>ecosystem</a:t>
-            </a:r>
-            <a:endParaRPr lang="de-DE" sz="2800" dirty="0">
+                <a:latin typeface="+mn-lt"/>
+              </a:rPr>
+              <a:t>5</a:t>
+            </a:r>
+          </a:p>
+        </p:txBody>
+      </p:sp>
+      <p:sp>
+        <p:nvSpPr>
+          <p:cNvPr id="101" name="Abgerundetes Rechteck 100"/>
+          <p:cNvSpPr/>
+          <p:nvPr/>
+        </p:nvSpPr>
+        <p:spPr bwMode="auto">
+          <a:xfrm>
+            <a:off x="5724915" y="6465296"/>
+            <a:ext cx="2001106" cy="1448751"/>
+          </a:xfrm>
+          <a:prstGeom prst="roundRect">
+            <a:avLst/>
+          </a:prstGeom>
+          <a:ln w="38100">
+            <a:headEnd/>
+            <a:tailEnd/>
+          </a:ln>
+          <a:extLst/>
+        </p:spPr>
+        <p:style>
+          <a:lnRef idx="2">
+            <a:schemeClr val="accent1"/>
+          </a:lnRef>
+          <a:fillRef idx="1">
+            <a:schemeClr val="lt1"/>
+          </a:fillRef>
+          <a:effectRef idx="0">
+            <a:schemeClr val="accent1"/>
+          </a:effectRef>
+          <a:fontRef idx="minor">
+            <a:schemeClr val="dk1"/>
+          </a:fontRef>
+        </p:style>
+        <p:txBody>
+          <a:bodyPr wrap="none" lIns="95253" tIns="47627" rIns="95253" bIns="47627" rtlCol="0" anchor="ctr"/>
+          <a:lstStyle/>
+          <a:p>
+            <a:pPr algn="ctr"/>
+            <a:endParaRPr lang="de-DE" dirty="0">
               <a:solidFill>
                 <a:srgbClr val="032934"/>
               </a:solidFill>
               <a:latin typeface="Calibri" pitchFamily="34" charset="0"/>
             </a:endParaRPr>
           </a:p>
-          <a:p>
-            <a:pPr marL="539750" indent="-539750">
-              <a:buFontTx/>
-              <a:buBlip>
-                <a:blip r:embed="rId8"/>
-              </a:buBlip>
-            </a:pPr>
-            <a:endParaRPr lang="de-DE" sz="2500" dirty="0" smtClean="0">
-              <a:solidFill>
-                <a:srgbClr val="032934"/>
-              </a:solidFill>
-            </a:endParaRPr>
-          </a:p>
         </p:txBody>
       </p:sp>
       <p:sp>
         <p:nvSpPr>
-          <p:cNvPr id="4" name="Textfeld 3"/>
-          <p:cNvSpPr txBox="1"/>
+          <p:cNvPr id="104" name="Abgerundetes Rechteck 103"/>
+          <p:cNvSpPr/>
+          <p:nvPr/>
+        </p:nvSpPr>
+        <p:spPr bwMode="auto">
+          <a:xfrm>
+            <a:off x="6118584" y="6675272"/>
+            <a:ext cx="2001106" cy="1448751"/>
+          </a:xfrm>
+          <a:prstGeom prst="roundRect">
+            <a:avLst/>
+          </a:prstGeom>
+          <a:ln w="38100">
+            <a:headEnd/>
+            <a:tailEnd/>
+          </a:ln>
+          <a:extLst/>
+        </p:spPr>
+        <p:style>
+          <a:lnRef idx="2">
+            <a:schemeClr val="accent1"/>
+          </a:lnRef>
+          <a:fillRef idx="1">
+            <a:schemeClr val="lt1"/>
+          </a:fillRef>
+          <a:effectRef idx="0">
+            <a:schemeClr val="accent1"/>
+          </a:effectRef>
+          <a:fontRef idx="minor">
+            <a:schemeClr val="dk1"/>
+          </a:fontRef>
+        </p:style>
+        <p:txBody>
+          <a:bodyPr wrap="none" lIns="95253" tIns="47627" rIns="95253" bIns="47627" rtlCol="0" anchor="ctr"/>
+          <a:lstStyle/>
+          <a:p>
+            <a:pPr algn="ctr"/>
+            <a:endParaRPr lang="de-DE" dirty="0">
+              <a:solidFill>
+                <a:srgbClr val="032934"/>
+              </a:solidFill>
+              <a:latin typeface="Calibri" pitchFamily="34" charset="0"/>
+            </a:endParaRPr>
+          </a:p>
+        </p:txBody>
+      </p:sp>
+      <p:sp>
+        <p:nvSpPr>
+          <p:cNvPr id="107" name="Abgerundetes Rechteck 106"/>
+          <p:cNvSpPr/>
+          <p:nvPr/>
+        </p:nvSpPr>
+        <p:spPr bwMode="auto">
+          <a:xfrm>
+            <a:off x="6463565" y="6934160"/>
+            <a:ext cx="2001106" cy="1448751"/>
+          </a:xfrm>
+          <a:prstGeom prst="roundRect">
+            <a:avLst/>
+          </a:prstGeom>
+          <a:ln w="38100">
+            <a:headEnd/>
+            <a:tailEnd/>
+          </a:ln>
+          <a:extLst/>
+        </p:spPr>
+        <p:style>
+          <a:lnRef idx="2">
+            <a:schemeClr val="accent1"/>
+          </a:lnRef>
+          <a:fillRef idx="1">
+            <a:schemeClr val="lt1"/>
+          </a:fillRef>
+          <a:effectRef idx="0">
+            <a:schemeClr val="accent1"/>
+          </a:effectRef>
+          <a:fontRef idx="minor">
+            <a:schemeClr val="dk1"/>
+          </a:fontRef>
+        </p:style>
+        <p:txBody>
+          <a:bodyPr wrap="none" lIns="95253" tIns="47627" rIns="95253" bIns="47627" rtlCol="0" anchor="ctr"/>
+          <a:lstStyle/>
+          <a:p>
+            <a:pPr algn="ctr"/>
+            <a:endParaRPr lang="de-DE" dirty="0">
+              <a:solidFill>
+                <a:srgbClr val="032934"/>
+              </a:solidFill>
+              <a:latin typeface="Calibri" pitchFamily="34" charset="0"/>
+            </a:endParaRPr>
+          </a:p>
+        </p:txBody>
+      </p:sp>
+      <p:sp>
+        <p:nvSpPr>
+          <p:cNvPr id="110" name="Abgerundetes Rechteck 109"/>
+          <p:cNvSpPr/>
+          <p:nvPr/>
+        </p:nvSpPr>
+        <p:spPr bwMode="auto">
+          <a:xfrm>
+            <a:off x="6800125" y="7211641"/>
+            <a:ext cx="2001106" cy="1448751"/>
+          </a:xfrm>
+          <a:prstGeom prst="roundRect">
+            <a:avLst/>
+          </a:prstGeom>
+          <a:ln w="38100">
+            <a:headEnd/>
+            <a:tailEnd/>
+          </a:ln>
+          <a:extLst/>
+        </p:spPr>
+        <p:style>
+          <a:lnRef idx="2">
+            <a:schemeClr val="accent1"/>
+          </a:lnRef>
+          <a:fillRef idx="1">
+            <a:schemeClr val="lt1"/>
+          </a:fillRef>
+          <a:effectRef idx="0">
+            <a:schemeClr val="accent1"/>
+          </a:effectRef>
+          <a:fontRef idx="minor">
+            <a:schemeClr val="dk1"/>
+          </a:fontRef>
+        </p:style>
+        <p:txBody>
+          <a:bodyPr wrap="none" lIns="95253" tIns="47627" rIns="95253" bIns="47627" rtlCol="0" anchor="ctr"/>
+          <a:lstStyle/>
+          <a:p>
+            <a:pPr algn="ctr"/>
+            <a:endParaRPr lang="de-DE" dirty="0">
+              <a:solidFill>
+                <a:srgbClr val="032934"/>
+              </a:solidFill>
+              <a:latin typeface="Calibri" pitchFamily="34" charset="0"/>
+            </a:endParaRPr>
+          </a:p>
+        </p:txBody>
+      </p:sp>
+      <p:sp>
+        <p:nvSpPr>
+          <p:cNvPr id="2" name="Rechteck 1"/>
+          <p:cNvSpPr/>
+          <p:nvPr/>
+        </p:nvSpPr>
+        <p:spPr>
+          <a:xfrm rot="16200000">
+            <a:off x="12465467" y="5596675"/>
+            <a:ext cx="7340126" cy="987227"/>
+          </a:xfrm>
+          <a:prstGeom prst="rect">
+            <a:avLst/>
+          </a:prstGeom>
+        </p:spPr>
+        <p:txBody>
+          <a:bodyPr wrap="none">
+            <a:spAutoFit/>
+          </a:bodyPr>
+          <a:lstStyle/>
+          <a:p>
+            <a:r>
+              <a:rPr lang="de-DE" sz="6000" dirty="0">
+                <a:solidFill>
+                  <a:schemeClr val="bg1">
+                    <a:lumMod val="75000"/>
+                  </a:schemeClr>
+                </a:solidFill>
+              </a:rPr>
+              <a:t>Private Network, </a:t>
+            </a:r>
+            <a:r>
+              <a:rPr lang="de-DE" sz="6000" dirty="0" err="1">
+                <a:solidFill>
+                  <a:schemeClr val="bg1">
+                    <a:lumMod val="75000"/>
+                  </a:schemeClr>
+                </a:solidFill>
+              </a:rPr>
+              <a:t>DHCP</a:t>
+            </a:r>
+            <a:endParaRPr lang="de-DE" sz="6000" dirty="0">
+              <a:solidFill>
+                <a:schemeClr val="bg1">
+                  <a:lumMod val="75000"/>
+                </a:schemeClr>
+              </a:solidFill>
+            </a:endParaRPr>
+          </a:p>
+        </p:txBody>
+      </p:sp>
+      <p:sp>
+        <p:nvSpPr>
+          <p:cNvPr id="4" name="Rechteck 3"/>
+          <p:cNvSpPr/>
           <p:nvPr/>
         </p:nvSpPr>
         <p:spPr>
           <a:xfrm>
-            <a:off x="25165531" y="1638827"/>
-            <a:ext cx="4376928" cy="477054"/>
+            <a:off x="3702746" y="18078588"/>
+            <a:ext cx="9009239" cy="523220"/>
           </a:xfrm>
           <a:prstGeom prst="rect">
             <a:avLst/>
           </a:prstGeom>
-          <a:noFill/>
         </p:spPr>
         <p:txBody>
-          <a:bodyPr wrap="square" rtlCol="0">
+          <a:bodyPr wrap="square">
             <a:spAutoFit/>
           </a:bodyPr>
           <a:lstStyle/>
           <a:p>
-            <a:pPr marL="539750" indent="-539750">
-              <a:buFontTx/>
-              <a:buBlip>
-                <a:blip r:embed="rId8"/>
-              </a:buBlip>
-            </a:pPr>
-            <a:r>
-              <a:rPr lang="de-DE" sz="2500" dirty="0" smtClean="0">
+            <a:pPr algn="r"/>
+            <a:r>
+              <a:rPr lang="de-DE" sz="2800" dirty="0" err="1">
                 <a:solidFill>
-                  <a:srgbClr val="032934"/>
+                  <a:schemeClr val="bg1">
+                    <a:lumMod val="75000"/>
+                  </a:schemeClr>
                 </a:solidFill>
-              </a:rPr>
-              <a:t>Jenkins </a:t>
-            </a:r>
-            <a:r>
-              <a:rPr lang="de-DE" sz="2500" dirty="0" err="1" smtClean="0">
+                <a:latin typeface="+mn-lt"/>
+              </a:rPr>
+              <a:t>From</a:t>
+            </a:r>
+            <a:r>
+              <a:rPr lang="de-DE" sz="2800" dirty="0">
                 <a:solidFill>
-                  <a:srgbClr val="032934"/>
+                  <a:schemeClr val="bg1">
+                    <a:lumMod val="75000"/>
+                  </a:schemeClr>
                 </a:solidFill>
-              </a:rPr>
-              <a:t>Node</a:t>
-            </a:r>
-            <a:r>
-              <a:rPr lang="de-DE" sz="2500" dirty="0" smtClean="0">
+                <a:latin typeface="+mn-lt"/>
+              </a:rPr>
+              <a:t> </a:t>
+            </a:r>
+            <a:r>
+              <a:rPr lang="de-DE" sz="2800" dirty="0" err="1">
                 <a:solidFill>
-                  <a:srgbClr val="032934"/>
+                  <a:schemeClr val="bg1">
+                    <a:lumMod val="75000"/>
+                  </a:schemeClr>
                 </a:solidFill>
-              </a:rPr>
-              <a:t> &lt;&lt;</a:t>
-            </a:r>
-            <a:r>
-              <a:rPr lang="de-DE" sz="2500" dirty="0" err="1" smtClean="0">
+                <a:latin typeface="+mn-lt"/>
+              </a:rPr>
+              <a:t>github</a:t>
+            </a:r>
+            <a:r>
+              <a:rPr lang="de-DE" sz="2800" dirty="0">
                 <a:solidFill>
-                  <a:srgbClr val="032934"/>
+                  <a:schemeClr val="bg1">
+                    <a:lumMod val="75000"/>
+                  </a:schemeClr>
                 </a:solidFill>
-              </a:rPr>
-              <a:t>vagrant</a:t>
-            </a:r>
-            <a:r>
-              <a:rPr lang="de-DE" sz="2500" dirty="0" smtClean="0">
+                <a:latin typeface="+mn-lt"/>
+              </a:rPr>
+              <a:t> – </a:t>
+            </a:r>
+            <a:r>
+              <a:rPr lang="de-DE" sz="2800" dirty="0" err="1">
                 <a:solidFill>
-                  <a:srgbClr val="032934"/>
+                  <a:schemeClr val="bg1">
+                    <a:lumMod val="75000"/>
+                  </a:schemeClr>
                 </a:solidFill>
-              </a:rPr>
-              <a:t>&gt;&gt;</a:t>
-            </a:r>
+                <a:latin typeface="+mn-lt"/>
+              </a:rPr>
+              <a:t>for</a:t>
+            </a:r>
+            <a:r>
+              <a:rPr lang="de-DE" sz="2800" dirty="0">
+                <a:solidFill>
+                  <a:schemeClr val="bg1">
+                    <a:lumMod val="75000"/>
+                  </a:schemeClr>
+                </a:solidFill>
+                <a:latin typeface="+mn-lt"/>
+              </a:rPr>
+              <a:t> </a:t>
+            </a:r>
+            <a:r>
+              <a:rPr lang="de-DE" sz="2800" dirty="0" err="1">
+                <a:solidFill>
+                  <a:schemeClr val="bg1">
+                    <a:lumMod val="75000"/>
+                  </a:schemeClr>
+                </a:solidFill>
+                <a:latin typeface="+mn-lt"/>
+              </a:rPr>
+              <a:t>each</a:t>
+            </a:r>
+            <a:r>
+              <a:rPr lang="de-DE" sz="2800" dirty="0">
+                <a:solidFill>
+                  <a:schemeClr val="bg1">
+                    <a:lumMod val="75000"/>
+                  </a:schemeClr>
+                </a:solidFill>
+                <a:latin typeface="+mn-lt"/>
+              </a:rPr>
+              <a:t> </a:t>
+            </a:r>
+            <a:r>
+              <a:rPr lang="de-DE" sz="2800" dirty="0" err="1">
+                <a:solidFill>
+                  <a:schemeClr val="bg1">
+                    <a:lumMod val="75000"/>
+                  </a:schemeClr>
+                </a:solidFill>
+                <a:latin typeface="+mn-lt"/>
+              </a:rPr>
+              <a:t>branch</a:t>
+            </a:r>
+            <a:r>
+              <a:rPr lang="de-DE" sz="2800" dirty="0">
+                <a:solidFill>
+                  <a:schemeClr val="bg1">
+                    <a:lumMod val="75000"/>
+                  </a:schemeClr>
+                </a:solidFill>
+                <a:latin typeface="+mn-lt"/>
+              </a:rPr>
+              <a:t> </a:t>
+            </a:r>
+            <a:r>
+              <a:rPr lang="de-DE" sz="2800" dirty="0" err="1">
+                <a:solidFill>
+                  <a:schemeClr val="bg1">
+                    <a:lumMod val="75000"/>
+                  </a:schemeClr>
+                </a:solidFill>
+                <a:latin typeface="+mn-lt"/>
+              </a:rPr>
+              <a:t>of</a:t>
+            </a:r>
+            <a:r>
+              <a:rPr lang="de-DE" sz="2800" dirty="0">
+                <a:solidFill>
+                  <a:schemeClr val="bg1">
+                    <a:lumMod val="75000"/>
+                  </a:schemeClr>
+                </a:solidFill>
+                <a:latin typeface="+mn-lt"/>
+              </a:rPr>
+              <a:t> </a:t>
+            </a:r>
+            <a:r>
+              <a:rPr lang="de-DE" sz="2800" dirty="0" err="1" smtClean="0">
+                <a:solidFill>
+                  <a:schemeClr val="bg1">
+                    <a:lumMod val="75000"/>
+                  </a:schemeClr>
+                </a:solidFill>
+                <a:latin typeface="+mn-lt"/>
+              </a:rPr>
+              <a:t>cloudogu</a:t>
+            </a:r>
+            <a:r>
+              <a:rPr lang="de-DE" sz="2800" dirty="0" smtClean="0">
+                <a:solidFill>
+                  <a:schemeClr val="bg1">
+                    <a:lumMod val="75000"/>
+                  </a:schemeClr>
+                </a:solidFill>
+                <a:latin typeface="+mn-lt"/>
+              </a:rPr>
+              <a:t>/</a:t>
+            </a:r>
+            <a:r>
+              <a:rPr lang="de-DE" sz="2800" dirty="0" err="1" smtClean="0">
+                <a:solidFill>
+                  <a:schemeClr val="bg1">
+                    <a:lumMod val="75000"/>
+                  </a:schemeClr>
+                </a:solidFill>
+                <a:latin typeface="+mn-lt"/>
+              </a:rPr>
+              <a:t>ecosystem</a:t>
+            </a:r>
+            <a:endParaRPr lang="de-DE" sz="2800" dirty="0">
+              <a:solidFill>
+                <a:schemeClr val="bg1">
+                  <a:lumMod val="75000"/>
+                </a:schemeClr>
+              </a:solidFill>
+              <a:latin typeface="+mn-lt"/>
+            </a:endParaRPr>
           </a:p>
         </p:txBody>
       </p:sp>
       <p:sp>
         <p:nvSpPr>
-          <p:cNvPr id="82" name="Textfeld 81"/>
-          <p:cNvSpPr txBox="1"/>
+          <p:cNvPr id="77" name="Rechteck 76"/>
+          <p:cNvSpPr/>
           <p:nvPr/>
         </p:nvSpPr>
         <p:spPr>
           <a:xfrm>
-            <a:off x="2703578" y="1638827"/>
-            <a:ext cx="4376928" cy="477054"/>
+            <a:off x="9331974" y="7190039"/>
+            <a:ext cx="3380011" cy="1346218"/>
           </a:xfrm>
           <a:prstGeom prst="rect">
             <a:avLst/>
           </a:prstGeom>
-          <a:noFill/>
         </p:spPr>
         <p:txBody>
-          <a:bodyPr wrap="square" rtlCol="0">
+          <a:bodyPr wrap="square">
             <a:spAutoFit/>
           </a:bodyPr>
           <a:lstStyle/>
           <a:p>
-            <a:pPr marL="539750" indent="-539750">
-              <a:buFontTx/>
-              <a:buBlip>
-                <a:blip r:embed="rId8"/>
-              </a:buBlip>
-            </a:pPr>
-            <a:r>
-              <a:rPr lang="de-DE" sz="2500" dirty="0" err="1" smtClean="0">
+            <a:r>
+              <a:rPr lang="de-DE" sz="2800" dirty="0" err="1">
                 <a:solidFill>
-                  <a:srgbClr val="032934"/>
+                  <a:schemeClr val="bg1">
+                    <a:lumMod val="75000"/>
+                  </a:schemeClr>
                 </a:solidFill>
+                <a:latin typeface="+mn-lt"/>
+              </a:rPr>
+              <a:t>Latest</a:t>
+            </a:r>
+            <a:r>
+              <a:rPr lang="de-DE" sz="2800" dirty="0">
+                <a:solidFill>
+                  <a:schemeClr val="bg1">
+                    <a:lumMod val="75000"/>
+                  </a:schemeClr>
+                </a:solidFill>
+                <a:latin typeface="+mn-lt"/>
+              </a:rPr>
+              <a:t> </a:t>
+            </a:r>
+          </a:p>
+          <a:p>
+            <a:r>
+              <a:rPr lang="de-DE" sz="2800" dirty="0" err="1">
+                <a:solidFill>
+                  <a:schemeClr val="bg1">
+                    <a:lumMod val="75000"/>
+                  </a:schemeClr>
+                </a:solidFill>
+                <a:latin typeface="+mn-lt"/>
+              </a:rPr>
+              <a:t>from</a:t>
+            </a:r>
+            <a:r>
+              <a:rPr lang="de-DE" sz="2800" dirty="0">
+                <a:solidFill>
+                  <a:schemeClr val="bg1">
+                    <a:lumMod val="75000"/>
+                  </a:schemeClr>
+                </a:solidFill>
+                <a:latin typeface="+mn-lt"/>
+              </a:rPr>
+              <a:t> Cloudogu </a:t>
+            </a:r>
+            <a:r>
+              <a:rPr lang="de-DE" sz="2800" dirty="0" smtClean="0">
+                <a:solidFill>
+                  <a:schemeClr val="bg1">
+                    <a:lumMod val="75000"/>
+                  </a:schemeClr>
+                </a:solidFill>
+                <a:latin typeface="+mn-lt"/>
+              </a:rPr>
+              <a:t>Registry</a:t>
+            </a:r>
+            <a:endParaRPr lang="de-DE" sz="2800" dirty="0">
+              <a:solidFill>
+                <a:schemeClr val="bg1">
+                  <a:lumMod val="75000"/>
+                </a:schemeClr>
+              </a:solidFill>
+              <a:latin typeface="+mn-lt"/>
+            </a:endParaRPr>
+          </a:p>
+        </p:txBody>
+      </p:sp>
+      <p:sp>
+        <p:nvSpPr>
+          <p:cNvPr id="6" name="Rechteck 5"/>
+          <p:cNvSpPr/>
+          <p:nvPr/>
+        </p:nvSpPr>
+        <p:spPr>
+          <a:xfrm rot="16200000">
+            <a:off x="12654965" y="14858234"/>
+            <a:ext cx="6961130" cy="987227"/>
+          </a:xfrm>
+          <a:prstGeom prst="rect">
+            <a:avLst/>
+          </a:prstGeom>
+        </p:spPr>
+        <p:txBody>
+          <a:bodyPr wrap="none">
+            <a:spAutoFit/>
+          </a:bodyPr>
+          <a:lstStyle/>
+          <a:p>
+            <a:r>
+              <a:rPr lang="de-DE" sz="6000" dirty="0" err="1">
+                <a:solidFill>
+                  <a:srgbClr val="E6BA00"/>
+                </a:solidFill>
               </a:rPr>
               <a:t>Ecosystem</a:t>
             </a:r>
             <a:r>
-              <a:rPr lang="de-DE" sz="2500" dirty="0" smtClean="0">
+              <a:rPr lang="de-DE" sz="6000" dirty="0">
                 <a:solidFill>
-                  <a:srgbClr val="032934"/>
+                  <a:srgbClr val="E6BA00"/>
                 </a:solidFill>
               </a:rPr>
               <a:t> </a:t>
             </a:r>
             <a:r>
-              <a:rPr lang="de-DE" sz="2500" dirty="0" err="1" smtClean="0">
+              <a:rPr lang="de-DE" sz="6000" dirty="0" err="1">
                 <a:solidFill>
-                  <a:srgbClr val="032934"/>
+                  <a:srgbClr val="E6BA00"/>
                 </a:solidFill>
               </a:rPr>
               <a:t>under</a:t>
             </a:r>
             <a:r>
-              <a:rPr lang="de-DE" sz="2500" dirty="0" smtClean="0">
+              <a:rPr lang="de-DE" sz="6000" dirty="0">
                 <a:solidFill>
-                  <a:srgbClr val="032934"/>
+                  <a:srgbClr val="E6BA00"/>
                 </a:solidFill>
               </a:rPr>
               <a:t> Test</a:t>
             </a:r>
+          </a:p>
+        </p:txBody>
+      </p:sp>
+      <p:sp>
+        <p:nvSpPr>
+          <p:cNvPr id="81" name="Abgerundetes Rechteck 80"/>
+          <p:cNvSpPr/>
+          <p:nvPr/>
+        </p:nvSpPr>
+        <p:spPr bwMode="auto">
+          <a:xfrm>
+            <a:off x="1277899" y="1412921"/>
+            <a:ext cx="24519272" cy="18291606"/>
+          </a:xfrm>
+          <a:prstGeom prst="roundRect">
+            <a:avLst>
+              <a:gd name="adj" fmla="val 5011"/>
+            </a:avLst>
+          </a:prstGeom>
+          <a:noFill/>
+          <a:ln w="38100">
+            <a:solidFill>
+              <a:srgbClr val="E6BA00"/>
+            </a:solidFill>
+          </a:ln>
+          <a:extLst/>
+        </p:spPr>
+        <p:style>
+          <a:lnRef idx="0">
+            <a:scrgbClr r="0" g="0" b="0"/>
+          </a:lnRef>
+          <a:fillRef idx="1">
+            <a:scrgbClr r="0" g="0" b="0"/>
+          </a:fillRef>
+          <a:effectRef idx="2">
+            <a:schemeClr val="accent1">
+              <a:tint val="40000"/>
+              <a:hueOff val="0"/>
+              <a:satOff val="0"/>
+              <a:lumOff val="0"/>
+              <a:alphaOff val="0"/>
+            </a:schemeClr>
+          </a:effectRef>
+          <a:fontRef idx="minor">
+            <a:schemeClr val="dk1">
+              <a:hueOff val="0"/>
+              <a:satOff val="0"/>
+              <a:lumOff val="0"/>
+              <a:alphaOff val="0"/>
+            </a:schemeClr>
+          </a:fontRef>
+        </p:style>
+        <p:txBody>
+          <a:bodyPr wrap="none" lIns="95253" tIns="47627" rIns="95253" bIns="47627" rtlCol="0" anchor="ctr"/>
+          <a:lstStyle/>
+          <a:p>
+            <a:endParaRPr lang="de-DE" dirty="0">
+              <a:solidFill>
+                <a:srgbClr val="032934"/>
+              </a:solidFill>
+              <a:latin typeface="Calibri" pitchFamily="34" charset="0"/>
+            </a:endParaRPr>
+          </a:p>
+        </p:txBody>
+      </p:sp>
+      <p:sp>
+        <p:nvSpPr>
+          <p:cNvPr id="82" name="Abgerundetes Rechteck 81"/>
+          <p:cNvSpPr/>
+          <p:nvPr/>
+        </p:nvSpPr>
+        <p:spPr bwMode="auto">
+          <a:xfrm>
+            <a:off x="17941719" y="2611167"/>
+            <a:ext cx="7050126" cy="2359905"/>
+          </a:xfrm>
+          <a:prstGeom prst="roundRect">
+            <a:avLst/>
+          </a:prstGeom>
+          <a:ln w="38100">
+            <a:solidFill>
+              <a:schemeClr val="accent1"/>
+            </a:solidFill>
+            <a:headEnd/>
+            <a:tailEnd/>
+          </a:ln>
+          <a:effectLst>
+            <a:outerShdw blurRad="50800" dist="38100" dir="5400000" algn="t" rotWithShape="0">
+              <a:prstClr val="black">
+                <a:alpha val="40000"/>
+              </a:prstClr>
+            </a:outerShdw>
+          </a:effectLst>
+          <a:extLst/>
+        </p:spPr>
+        <p:style>
+          <a:lnRef idx="2">
+            <a:schemeClr val="accent1"/>
+          </a:lnRef>
+          <a:fillRef idx="1">
+            <a:schemeClr val="lt1"/>
+          </a:fillRef>
+          <a:effectRef idx="0">
+            <a:schemeClr val="accent1"/>
+          </a:effectRef>
+          <a:fontRef idx="minor">
+            <a:schemeClr val="dk1"/>
+          </a:fontRef>
+        </p:style>
+        <p:txBody>
+          <a:bodyPr wrap="none" lIns="95253" tIns="47627" rIns="95253" bIns="47627" rtlCol="0" anchor="ctr"/>
+          <a:lstStyle/>
+          <a:p>
+            <a:pPr algn="ctr"/>
+            <a:endParaRPr lang="de-DE" dirty="0">
+              <a:solidFill>
+                <a:srgbClr val="032934"/>
+              </a:solidFill>
+              <a:latin typeface="Calibri" pitchFamily="34" charset="0"/>
+            </a:endParaRPr>
           </a:p>
         </p:txBody>
       </p:sp>
@@ -3435,55 +3594,47 @@
         </p:nvSpPr>
         <p:spPr bwMode="auto">
           <a:xfrm>
-            <a:off x="22049508" y="3916475"/>
-            <a:ext cx="7253200" cy="2427881"/>
+            <a:off x="17941719" y="7868506"/>
+            <a:ext cx="7050126" cy="3721074"/>
           </a:xfrm>
           <a:prstGeom prst="roundRect">
             <a:avLst/>
           </a:prstGeom>
-          <a:ln>
+          <a:ln w="38100">
+            <a:solidFill>
+              <a:schemeClr val="accent1"/>
+            </a:solidFill>
             <a:headEnd/>
             <a:tailEnd/>
           </a:ln>
+          <a:effectLst>
+            <a:outerShdw blurRad="50800" dist="38100" dir="5400000" algn="t" rotWithShape="0">
+              <a:prstClr val="black">
+                <a:alpha val="40000"/>
+              </a:prstClr>
+            </a:outerShdw>
+          </a:effectLst>
           <a:extLst/>
         </p:spPr>
         <p:style>
           <a:lnRef idx="2">
-            <a:schemeClr val="accent2"/>
+            <a:schemeClr val="accent1"/>
           </a:lnRef>
           <a:fillRef idx="1">
             <a:schemeClr val="lt1"/>
           </a:fillRef>
           <a:effectRef idx="0">
-            <a:schemeClr val="accent2"/>
+            <a:schemeClr val="accent1"/>
           </a:effectRef>
           <a:fontRef idx="minor">
             <a:schemeClr val="dk1"/>
           </a:fontRef>
         </p:style>
         <p:txBody>
-          <a:bodyPr wrap="none" lIns="95253" tIns="47627" rIns="95253" bIns="47627" rtlCol="0" anchor="t" anchorCtr="0"/>
+          <a:bodyPr wrap="none" lIns="95253" tIns="47627" rIns="95253" bIns="47627" rtlCol="0" anchor="ctr"/>
           <a:lstStyle/>
           <a:p>
             <a:pPr algn="ctr"/>
-            <a:r>
-              <a:rPr lang="de-DE" dirty="0" err="1" smtClean="0">
-                <a:solidFill>
-                  <a:srgbClr val="032934"/>
-                </a:solidFill>
-                <a:latin typeface="Calibri" pitchFamily="34" charset="0"/>
-              </a:rPr>
-              <a:t>Selenium</a:t>
-            </a:r>
-            <a:r>
-              <a:rPr lang="de-DE" dirty="0" smtClean="0">
-                <a:solidFill>
-                  <a:srgbClr val="032934"/>
-                </a:solidFill>
-                <a:latin typeface="Calibri" pitchFamily="34" charset="0"/>
-              </a:rPr>
-              <a:t> Container</a:t>
-            </a:r>
             <a:endParaRPr lang="de-DE" dirty="0">
               <a:solidFill>
                 <a:srgbClr val="032934"/>
@@ -3493,286 +3644,21 @@
           </a:p>
         </p:txBody>
       </p:sp>
-      <p:sp>
-        <p:nvSpPr>
-          <p:cNvPr id="5" name="Textfeld 4"/>
-          <p:cNvSpPr txBox="1"/>
-          <p:nvPr/>
-        </p:nvSpPr>
-        <p:spPr>
-          <a:xfrm>
-            <a:off x="22080387" y="4923130"/>
-            <a:ext cx="7220462" cy="523220"/>
-          </a:xfrm>
-          <a:prstGeom prst="rect">
-            <a:avLst/>
-          </a:prstGeom>
-          <a:noFill/>
-        </p:spPr>
-        <p:txBody>
-          <a:bodyPr wrap="square" rtlCol="0">
-            <a:spAutoFit/>
-          </a:bodyPr>
-          <a:lstStyle/>
-          <a:p>
-            <a:pPr marL="539750" indent="-539750" algn="ctr">
-              <a:buFontTx/>
-              <a:buBlip>
-                <a:blip r:embed="rId8"/>
-              </a:buBlip>
-            </a:pPr>
-            <a:r>
-              <a:rPr lang="de-DE" sz="2800" dirty="0" err="1"/>
-              <a:t>selenium</a:t>
-            </a:r>
-            <a:r>
-              <a:rPr lang="de-DE" sz="2800" dirty="0"/>
-              <a:t>/standalone-chrome:3.3.0</a:t>
-            </a:r>
-            <a:endParaRPr lang="de-DE" sz="2500" dirty="0" smtClean="0">
-              <a:solidFill>
-                <a:srgbClr val="032934"/>
-              </a:solidFill>
-            </a:endParaRPr>
-          </a:p>
-        </p:txBody>
-      </p:sp>
-      <p:sp>
-        <p:nvSpPr>
-          <p:cNvPr id="85" name="Abgerundetes Rechteck 84"/>
-          <p:cNvSpPr/>
-          <p:nvPr/>
-        </p:nvSpPr>
-        <p:spPr bwMode="auto">
-          <a:xfrm>
-            <a:off x="22201908" y="9325248"/>
-            <a:ext cx="7253200" cy="3828257"/>
-          </a:xfrm>
-          <a:prstGeom prst="roundRect">
-            <a:avLst/>
-          </a:prstGeom>
-          <a:ln>
-            <a:headEnd/>
-            <a:tailEnd/>
-          </a:ln>
-          <a:extLst/>
-        </p:spPr>
-        <p:style>
-          <a:lnRef idx="2">
-            <a:schemeClr val="accent2"/>
-          </a:lnRef>
-          <a:fillRef idx="1">
-            <a:schemeClr val="lt1"/>
-          </a:fillRef>
-          <a:effectRef idx="0">
-            <a:schemeClr val="accent2"/>
-          </a:effectRef>
-          <a:fontRef idx="minor">
-            <a:schemeClr val="dk1"/>
-          </a:fontRef>
-        </p:style>
-        <p:txBody>
-          <a:bodyPr wrap="none" lIns="95253" tIns="47627" rIns="95253" bIns="47627" rtlCol="0" anchor="t" anchorCtr="0"/>
-          <a:lstStyle/>
-          <a:p>
-            <a:pPr algn="ctr"/>
-            <a:r>
-              <a:rPr lang="de-DE" dirty="0" smtClean="0">
-                <a:solidFill>
-                  <a:srgbClr val="032934"/>
-                </a:solidFill>
-                <a:latin typeface="Calibri" pitchFamily="34" charset="0"/>
-              </a:rPr>
-              <a:t>Integration Tests</a:t>
-            </a:r>
-            <a:endParaRPr lang="de-DE" dirty="0">
-              <a:solidFill>
-                <a:srgbClr val="032934"/>
-              </a:solidFill>
-              <a:latin typeface="Calibri" pitchFamily="34" charset="0"/>
-            </a:endParaRPr>
-          </a:p>
-        </p:txBody>
-      </p:sp>
-      <p:sp>
-        <p:nvSpPr>
-          <p:cNvPr id="87" name="Textfeld 86"/>
-          <p:cNvSpPr txBox="1"/>
-          <p:nvPr/>
-        </p:nvSpPr>
-        <p:spPr>
-          <a:xfrm>
-            <a:off x="22201908" y="10602228"/>
-            <a:ext cx="7253200" cy="523220"/>
-          </a:xfrm>
-          <a:prstGeom prst="rect">
-            <a:avLst/>
-          </a:prstGeom>
-          <a:noFill/>
-        </p:spPr>
-        <p:txBody>
-          <a:bodyPr wrap="square" rtlCol="0">
-            <a:spAutoFit/>
-          </a:bodyPr>
-          <a:lstStyle/>
-          <a:p>
-            <a:pPr marL="539750" indent="-539750" algn="ctr">
-              <a:buBlip>
-                <a:blip r:embed="rId8"/>
-              </a:buBlip>
-            </a:pPr>
-            <a:r>
-              <a:rPr lang="de-DE" sz="2800" dirty="0" err="1" smtClean="0"/>
-              <a:t>cloudogu</a:t>
-            </a:r>
-            <a:r>
-              <a:rPr lang="de-DE" sz="2800" dirty="0" smtClean="0"/>
-              <a:t>/</a:t>
-            </a:r>
-            <a:r>
-              <a:rPr lang="de-DE" sz="2800" dirty="0" err="1" smtClean="0"/>
-              <a:t>gauge-java:latest</a:t>
-            </a:r>
-            <a:endParaRPr lang="de-DE" sz="2800" dirty="0"/>
-          </a:p>
-        </p:txBody>
-      </p:sp>
-      <p:sp>
-        <p:nvSpPr>
-          <p:cNvPr id="89" name="Textfeld 88"/>
-          <p:cNvSpPr txBox="1"/>
-          <p:nvPr/>
-        </p:nvSpPr>
-        <p:spPr>
-          <a:xfrm>
-            <a:off x="22206024" y="11165100"/>
-            <a:ext cx="7253200" cy="523220"/>
-          </a:xfrm>
-          <a:prstGeom prst="rect">
-            <a:avLst/>
-          </a:prstGeom>
-          <a:noFill/>
-        </p:spPr>
-        <p:txBody>
-          <a:bodyPr wrap="square" rtlCol="0">
-            <a:spAutoFit/>
-          </a:bodyPr>
-          <a:lstStyle/>
-          <a:p>
-            <a:pPr algn="ctr"/>
-            <a:r>
-              <a:rPr lang="de-DE" sz="2800" dirty="0" err="1" smtClean="0"/>
-              <a:t>cloudogu</a:t>
-            </a:r>
-            <a:r>
-              <a:rPr lang="de-DE" sz="2800" dirty="0" smtClean="0"/>
-              <a:t>/</a:t>
-            </a:r>
-            <a:r>
-              <a:rPr lang="de-DE" sz="2800" dirty="0" err="1" smtClean="0"/>
-              <a:t>integration-tests:development</a:t>
-            </a:r>
-            <a:endParaRPr lang="de-DE" sz="2500" dirty="0">
-              <a:solidFill>
-                <a:srgbClr val="032934"/>
-              </a:solidFill>
-            </a:endParaRPr>
-          </a:p>
-        </p:txBody>
-      </p:sp>
-      <p:sp>
-        <p:nvSpPr>
-          <p:cNvPr id="90" name="Textfeld 89"/>
-          <p:cNvSpPr txBox="1"/>
-          <p:nvPr/>
-        </p:nvSpPr>
-        <p:spPr>
-          <a:xfrm>
-            <a:off x="22194637" y="11796142"/>
-            <a:ext cx="7253200" cy="523220"/>
-          </a:xfrm>
-          <a:prstGeom prst="rect">
-            <a:avLst/>
-          </a:prstGeom>
-          <a:noFill/>
-        </p:spPr>
-        <p:txBody>
-          <a:bodyPr wrap="square" rtlCol="0">
-            <a:spAutoFit/>
-          </a:bodyPr>
-          <a:lstStyle/>
-          <a:p>
-            <a:pPr algn="ctr"/>
-            <a:r>
-              <a:rPr lang="de-DE" sz="2800" dirty="0" err="1"/>
-              <a:t>mvn</a:t>
-            </a:r>
-            <a:r>
-              <a:rPr lang="de-DE" sz="2800" dirty="0"/>
-              <a:t> </a:t>
-            </a:r>
-            <a:r>
-              <a:rPr lang="de-DE" sz="2800" dirty="0" err="1" smtClean="0"/>
-              <a:t>test</a:t>
-            </a:r>
-            <a:endParaRPr lang="de-DE" sz="2800" dirty="0"/>
-          </a:p>
-        </p:txBody>
-      </p:sp>
-      <p:sp>
-        <p:nvSpPr>
-          <p:cNvPr id="97" name="Textfeld 96"/>
-          <p:cNvSpPr txBox="1"/>
-          <p:nvPr/>
-        </p:nvSpPr>
-        <p:spPr>
-          <a:xfrm>
-            <a:off x="7748258" y="1913922"/>
-            <a:ext cx="4376928" cy="477054"/>
-          </a:xfrm>
-          <a:prstGeom prst="rect">
-            <a:avLst/>
-          </a:prstGeom>
-          <a:noFill/>
-        </p:spPr>
-        <p:txBody>
-          <a:bodyPr wrap="square" rtlCol="0">
-            <a:spAutoFit/>
-          </a:bodyPr>
-          <a:lstStyle/>
-          <a:p>
-            <a:pPr marL="539750" indent="-539750">
-              <a:buFontTx/>
-              <a:buBlip>
-                <a:blip r:embed="rId8"/>
-              </a:buBlip>
-            </a:pPr>
-            <a:r>
-              <a:rPr lang="de-DE" sz="2500" dirty="0" smtClean="0">
-                <a:solidFill>
-                  <a:srgbClr val="032934"/>
-                </a:solidFill>
-              </a:rPr>
-              <a:t>Private Network, DHCP</a:t>
-            </a:r>
-          </a:p>
-        </p:txBody>
-      </p:sp>
       <p:cxnSp>
         <p:nvCxnSpPr>
-          <p:cNvPr id="7" name="Gerade Verbindung mit Pfeil 6"/>
+          <p:cNvPr id="85" name="Gerade Verbindung mit Pfeil 84"/>
           <p:cNvCxnSpPr/>
           <p:nvPr/>
         </p:nvCxnSpPr>
         <p:spPr>
           <a:xfrm flipV="1">
-            <a:off x="22556811" y="6344358"/>
-            <a:ext cx="0" cy="2980890"/>
+            <a:off x="18434818" y="4971075"/>
+            <a:ext cx="0" cy="2897431"/>
           </a:xfrm>
           <a:prstGeom prst="straightConnector1">
             <a:avLst/>
           </a:prstGeom>
-          <a:ln>
+          <a:ln w="28575">
             <a:prstDash val="dash"/>
             <a:tailEnd type="triangle" w="lg" len="lg"/>
           </a:ln>
@@ -3794,19 +3680,19 @@
       </p:cxnSp>
       <p:cxnSp>
         <p:nvCxnSpPr>
-          <p:cNvPr id="98" name="Gerade Verbindung mit Pfeil 97"/>
+          <p:cNvPr id="87" name="Gerade Verbindung mit Pfeil 86"/>
           <p:cNvCxnSpPr/>
           <p:nvPr/>
         </p:nvCxnSpPr>
         <p:spPr>
           <a:xfrm flipV="1">
-            <a:off x="22988859" y="5580832"/>
-            <a:ext cx="0" cy="3744416"/>
+            <a:off x="18854770" y="4228926"/>
+            <a:ext cx="0" cy="3639580"/>
           </a:xfrm>
           <a:prstGeom prst="straightConnector1">
             <a:avLst/>
           </a:prstGeom>
-          <a:ln>
+          <a:ln w="28575">
             <a:prstDash val="dash"/>
             <a:tailEnd type="none" w="lg" len="lg"/>
           </a:ln>
@@ -3828,19 +3714,19 @@
       </p:cxnSp>
       <p:cxnSp>
         <p:nvCxnSpPr>
-          <p:cNvPr id="99" name="Gerade Verbindung mit Pfeil 98"/>
+          <p:cNvPr id="89" name="Gerade Verbindung mit Pfeil 88"/>
           <p:cNvCxnSpPr/>
           <p:nvPr/>
         </p:nvCxnSpPr>
         <p:spPr>
           <a:xfrm>
-            <a:off x="20468579" y="5580832"/>
-            <a:ext cx="2520280" cy="0"/>
+            <a:off x="16796171" y="4228926"/>
+            <a:ext cx="2058599" cy="0"/>
           </a:xfrm>
           <a:prstGeom prst="straightConnector1">
             <a:avLst/>
           </a:prstGeom>
-          <a:ln>
+          <a:ln w="28575">
             <a:prstDash val="dash"/>
             <a:headEnd type="triangle" w="lg" len="lg"/>
             <a:tailEnd type="none" w="lg" len="lg"/>
@@ -3861,10 +3747,381 @@
           </a:fontRef>
         </p:style>
       </p:cxnSp>
+      <p:sp>
+        <p:nvSpPr>
+          <p:cNvPr id="90" name="Rechteck 89"/>
+          <p:cNvSpPr/>
+          <p:nvPr/>
+        </p:nvSpPr>
+        <p:spPr>
+          <a:xfrm>
+            <a:off x="18956411" y="4181503"/>
+            <a:ext cx="5268359" cy="448739"/>
+          </a:xfrm>
+          <a:prstGeom prst="rect">
+            <a:avLst/>
+          </a:prstGeom>
+        </p:spPr>
+        <p:txBody>
+          <a:bodyPr wrap="square">
+            <a:spAutoFit/>
+          </a:bodyPr>
+          <a:lstStyle/>
+          <a:p>
+            <a:r>
+              <a:rPr lang="de-DE" sz="2400" dirty="0" err="1">
+                <a:solidFill>
+                  <a:schemeClr val="bg1">
+                    <a:lumMod val="75000"/>
+                  </a:schemeClr>
+                </a:solidFill>
+                <a:latin typeface="+mn-lt"/>
+              </a:rPr>
+              <a:t>selenium</a:t>
+            </a:r>
+            <a:r>
+              <a:rPr lang="de-DE" sz="2400" dirty="0">
+                <a:solidFill>
+                  <a:schemeClr val="bg1">
+                    <a:lumMod val="75000"/>
+                  </a:schemeClr>
+                </a:solidFill>
+                <a:latin typeface="+mn-lt"/>
+              </a:rPr>
+              <a:t>/</a:t>
+            </a:r>
+            <a:r>
+              <a:rPr lang="de-DE" sz="2400" dirty="0" err="1">
+                <a:solidFill>
+                  <a:schemeClr val="bg1">
+                    <a:lumMod val="75000"/>
+                  </a:schemeClr>
+                </a:solidFill>
+                <a:latin typeface="+mn-lt"/>
+              </a:rPr>
+              <a:t>standalone-chrome:3.3.0</a:t>
+            </a:r>
+            <a:endParaRPr lang="de-DE" sz="2400" dirty="0">
+              <a:solidFill>
+                <a:schemeClr val="bg1">
+                  <a:lumMod val="75000"/>
+                </a:schemeClr>
+              </a:solidFill>
+              <a:latin typeface="+mn-lt"/>
+            </a:endParaRPr>
+          </a:p>
+        </p:txBody>
+      </p:sp>
+      <p:sp>
+        <p:nvSpPr>
+          <p:cNvPr id="95" name="Rechteck 94"/>
+          <p:cNvSpPr/>
+          <p:nvPr/>
+        </p:nvSpPr>
+        <p:spPr>
+          <a:xfrm>
+            <a:off x="18956411" y="9561745"/>
+            <a:ext cx="8068036" cy="1884704"/>
+          </a:xfrm>
+          <a:prstGeom prst="rect">
+            <a:avLst/>
+          </a:prstGeom>
+        </p:spPr>
+        <p:txBody>
+          <a:bodyPr wrap="square">
+            <a:spAutoFit/>
+          </a:bodyPr>
+          <a:lstStyle/>
+          <a:p>
+            <a:r>
+              <a:rPr lang="de-DE" sz="2400" dirty="0" err="1" smtClean="0">
+                <a:solidFill>
+                  <a:schemeClr val="bg1">
+                    <a:lumMod val="75000"/>
+                  </a:schemeClr>
+                </a:solidFill>
+                <a:latin typeface="+mn-lt"/>
+              </a:rPr>
+              <a:t>cloudogu</a:t>
+            </a:r>
+            <a:r>
+              <a:rPr lang="de-DE" sz="2400" dirty="0" smtClean="0">
+                <a:solidFill>
+                  <a:schemeClr val="bg1">
+                    <a:lumMod val="75000"/>
+                  </a:schemeClr>
+                </a:solidFill>
+                <a:latin typeface="+mn-lt"/>
+              </a:rPr>
+              <a:t>/</a:t>
+            </a:r>
+            <a:r>
+              <a:rPr lang="de-DE" sz="2400" dirty="0" err="1" smtClean="0">
+                <a:solidFill>
+                  <a:schemeClr val="bg1">
+                    <a:lumMod val="75000"/>
+                  </a:schemeClr>
+                </a:solidFill>
+                <a:latin typeface="+mn-lt"/>
+              </a:rPr>
+              <a:t>gauge-java:latest</a:t>
+            </a:r>
+            <a:endParaRPr lang="de-DE" sz="2400" dirty="0" smtClean="0">
+              <a:solidFill>
+                <a:schemeClr val="bg1">
+                  <a:lumMod val="75000"/>
+                </a:schemeClr>
+              </a:solidFill>
+              <a:latin typeface="+mn-lt"/>
+            </a:endParaRPr>
+          </a:p>
+          <a:p>
+            <a:r>
+              <a:rPr lang="de-DE" sz="2400" dirty="0" err="1" smtClean="0">
+                <a:solidFill>
+                  <a:schemeClr val="bg1">
+                    <a:lumMod val="75000"/>
+                  </a:schemeClr>
+                </a:solidFill>
+                <a:latin typeface="+mn-lt"/>
+              </a:rPr>
+              <a:t>cloudogu</a:t>
+            </a:r>
+            <a:r>
+              <a:rPr lang="de-DE" sz="2400" dirty="0" smtClean="0">
+                <a:solidFill>
+                  <a:schemeClr val="bg1">
+                    <a:lumMod val="75000"/>
+                  </a:schemeClr>
+                </a:solidFill>
+                <a:latin typeface="+mn-lt"/>
+              </a:rPr>
+              <a:t>/</a:t>
+            </a:r>
+            <a:r>
+              <a:rPr lang="de-DE" sz="2400" dirty="0" err="1" smtClean="0">
+                <a:solidFill>
+                  <a:schemeClr val="bg1">
+                    <a:lumMod val="75000"/>
+                  </a:schemeClr>
+                </a:solidFill>
+                <a:latin typeface="+mn-lt"/>
+              </a:rPr>
+              <a:t>integration-tests:development</a:t>
+            </a:r>
+            <a:endParaRPr lang="de-DE" sz="2400" dirty="0" smtClean="0">
+              <a:solidFill>
+                <a:schemeClr val="bg1">
+                  <a:lumMod val="75000"/>
+                </a:schemeClr>
+              </a:solidFill>
+              <a:latin typeface="+mn-lt"/>
+            </a:endParaRPr>
+          </a:p>
+          <a:p>
+            <a:r>
+              <a:rPr lang="de-DE" sz="2400" dirty="0" err="1">
+                <a:solidFill>
+                  <a:schemeClr val="bg1">
+                    <a:lumMod val="75000"/>
+                  </a:schemeClr>
+                </a:solidFill>
+                <a:latin typeface="+mn-lt"/>
+              </a:rPr>
+              <a:t>mvn</a:t>
+            </a:r>
+            <a:r>
+              <a:rPr lang="de-DE" sz="2400" dirty="0">
+                <a:solidFill>
+                  <a:schemeClr val="bg1">
+                    <a:lumMod val="75000"/>
+                  </a:schemeClr>
+                </a:solidFill>
+                <a:latin typeface="+mn-lt"/>
+              </a:rPr>
+              <a:t> </a:t>
+            </a:r>
+            <a:r>
+              <a:rPr lang="de-DE" sz="2400" dirty="0" err="1" smtClean="0">
+                <a:solidFill>
+                  <a:schemeClr val="bg1">
+                    <a:lumMod val="75000"/>
+                  </a:schemeClr>
+                </a:solidFill>
+                <a:latin typeface="+mn-lt"/>
+              </a:rPr>
+              <a:t>test</a:t>
+            </a:r>
+            <a:endParaRPr lang="de-DE" sz="2400" dirty="0" smtClean="0">
+              <a:solidFill>
+                <a:schemeClr val="bg1">
+                  <a:lumMod val="75000"/>
+                </a:schemeClr>
+              </a:solidFill>
+              <a:latin typeface="+mn-lt"/>
+            </a:endParaRPr>
+          </a:p>
+          <a:p>
+            <a:endParaRPr lang="de-DE" sz="2400" dirty="0" smtClean="0">
+              <a:solidFill>
+                <a:schemeClr val="bg1">
+                  <a:lumMod val="75000"/>
+                </a:schemeClr>
+              </a:solidFill>
+              <a:latin typeface="+mn-lt"/>
+            </a:endParaRPr>
+          </a:p>
+          <a:p>
+            <a:endParaRPr lang="de-DE" sz="2400" dirty="0">
+              <a:solidFill>
+                <a:schemeClr val="bg1">
+                  <a:lumMod val="75000"/>
+                </a:schemeClr>
+              </a:solidFill>
+              <a:latin typeface="+mn-lt"/>
+            </a:endParaRPr>
+          </a:p>
+        </p:txBody>
+      </p:sp>
+      <p:sp>
+        <p:nvSpPr>
+          <p:cNvPr id="20" name="Rechteck 19"/>
+          <p:cNvSpPr/>
+          <p:nvPr/>
+        </p:nvSpPr>
+        <p:spPr>
+          <a:xfrm>
+            <a:off x="18011952" y="18428548"/>
+            <a:ext cx="6782382" cy="807731"/>
+          </a:xfrm>
+          <a:prstGeom prst="rect">
+            <a:avLst/>
+          </a:prstGeom>
+        </p:spPr>
+        <p:txBody>
+          <a:bodyPr wrap="none">
+            <a:spAutoFit/>
+          </a:bodyPr>
+          <a:lstStyle/>
+          <a:p>
+            <a:r>
+              <a:rPr lang="de-DE" sz="4800" dirty="0">
+                <a:solidFill>
+                  <a:srgbClr val="E6BA00"/>
+                </a:solidFill>
+              </a:rPr>
+              <a:t>Jenkins </a:t>
+            </a:r>
+            <a:r>
+              <a:rPr lang="de-DE" sz="4800" dirty="0" err="1">
+                <a:solidFill>
+                  <a:srgbClr val="E6BA00"/>
+                </a:solidFill>
+              </a:rPr>
+              <a:t>Node</a:t>
+            </a:r>
+            <a:r>
+              <a:rPr lang="de-DE" sz="4800" dirty="0">
+                <a:solidFill>
+                  <a:srgbClr val="E6BA00"/>
+                </a:solidFill>
+              </a:rPr>
+              <a:t> &lt;&lt;</a:t>
+            </a:r>
+            <a:r>
+              <a:rPr lang="de-DE" sz="4800" dirty="0" err="1">
+                <a:solidFill>
+                  <a:srgbClr val="E6BA00"/>
+                </a:solidFill>
+              </a:rPr>
+              <a:t>vagrant</a:t>
+            </a:r>
+            <a:r>
+              <a:rPr lang="de-DE" sz="4800" dirty="0">
+                <a:solidFill>
+                  <a:srgbClr val="E6BA00"/>
+                </a:solidFill>
+              </a:rPr>
+              <a:t>&gt;&gt;</a:t>
+            </a:r>
+          </a:p>
+        </p:txBody>
+      </p:sp>
+      <p:sp>
+        <p:nvSpPr>
+          <p:cNvPr id="26" name="Rechteck 25"/>
+          <p:cNvSpPr/>
+          <p:nvPr/>
+        </p:nvSpPr>
+        <p:spPr>
+          <a:xfrm>
+            <a:off x="18666176" y="8382911"/>
+            <a:ext cx="5601213" cy="877163"/>
+          </a:xfrm>
+          <a:prstGeom prst="rect">
+            <a:avLst/>
+          </a:prstGeom>
+        </p:spPr>
+        <p:txBody>
+          <a:bodyPr wrap="none">
+            <a:spAutoFit/>
+          </a:bodyPr>
+          <a:lstStyle/>
+          <a:p>
+            <a:pPr algn="ctr"/>
+            <a:r>
+              <a:rPr lang="de-DE" sz="5100" b="1" dirty="0">
+                <a:latin typeface="+mn-lt"/>
+                <a:cs typeface="+mn-cs"/>
+              </a:rPr>
+              <a:t>Integration Tests</a:t>
+            </a:r>
+          </a:p>
+        </p:txBody>
+      </p:sp>
+      <p:sp>
+        <p:nvSpPr>
+          <p:cNvPr id="28" name="Rechteck 27"/>
+          <p:cNvSpPr/>
+          <p:nvPr/>
+        </p:nvSpPr>
+        <p:spPr>
+          <a:xfrm>
+            <a:off x="18250196" y="2962851"/>
+            <a:ext cx="6433172" cy="877163"/>
+          </a:xfrm>
+          <a:prstGeom prst="rect">
+            <a:avLst/>
+          </a:prstGeom>
+        </p:spPr>
+        <p:txBody>
+          <a:bodyPr wrap="none">
+            <a:spAutoFit/>
+          </a:bodyPr>
+          <a:lstStyle/>
+          <a:p>
+            <a:pPr algn="ctr"/>
+            <a:r>
+              <a:rPr lang="de-DE" sz="5100" b="1" dirty="0" err="1">
+                <a:latin typeface="+mn-lt"/>
+                <a:cs typeface="+mn-cs"/>
+              </a:rPr>
+              <a:t>Selenium</a:t>
+            </a:r>
+            <a:r>
+              <a:rPr lang="de-DE" sz="5100" b="1" dirty="0">
+                <a:latin typeface="+mn-lt"/>
+                <a:cs typeface="+mn-cs"/>
+              </a:rPr>
+              <a:t> Container</a:t>
+            </a:r>
+          </a:p>
+        </p:txBody>
+      </p:sp>
     </p:spTree>
     <p:extLst>
       <p:ext uri="{BB962C8B-B14F-4D97-AF65-F5344CB8AC3E}">
-        <p14:creationId xmlns:p14="http://schemas.microsoft.com/office/powerpoint/2010/main" val="3545303160"/>
+        <p14:creationId xmlns:p14="http://schemas.microsoft.com/office/powerpoint/2010/main" val="4122943215"/>
       </p:ext>
     </p:extLst>
   </p:cSld>
